--- a/presentation_en.pptx
+++ b/presentation_en.pptx
@@ -119,6 +119,11 @@
       </a:defRPr>
     </a:lvl9pPr>
   </p:defaultTextStyle>
+  <p:extLst>
+    <p:ext uri="{EFAFB233-063F-42B5-8137-9DF3F51BA10A}">
+      <p15:sldGuideLst xmlns:p15="http://schemas.microsoft.com/office/powerpoint/2012/main"/>
+    </p:ext>
+  </p:extLst>
 </p:presentation>
 </file>
 
@@ -5257,13 +5262,8 @@
           <a:p>
             <a:r>
               <a:rPr lang="en-US" dirty="0"/>
-              <a:t>Component-based </a:t>
-            </a:r>
-            <a:r>
-              <a:rPr lang="en-US" dirty="0" err="1"/>
-              <a:t>architercture</a:t>
-            </a:r>
-            <a:endParaRPr lang="en-US" dirty="0"/>
+              <a:t>Component-based architecture</a:t>
+            </a:r>
           </a:p>
           <a:p>
             <a:r>
@@ -5472,7 +5472,7 @@
             <a:pPr lvl="1"/>
             <a:r>
               <a:rPr lang="en-US" dirty="0"/>
-              <a:t>Tables  of users, photos, likes, categories, </a:t>
+              <a:t>Tables of users, photos, likes, categories, </a:t>
             </a:r>
             <a:r>
               <a:rPr lang="en-US" dirty="0" err="1"/>

--- a/presentation_en.pptx
+++ b/presentation_en.pptx
@@ -11,16 +11,21 @@
     <p:sldId id="259" r:id="rId5"/>
     <p:sldId id="260" r:id="rId6"/>
     <p:sldId id="261" r:id="rId7"/>
-    <p:sldId id="262" r:id="rId8"/>
-    <p:sldId id="263" r:id="rId9"/>
-    <p:sldId id="264" r:id="rId10"/>
-    <p:sldId id="265" r:id="rId11"/>
-    <p:sldId id="266" r:id="rId12"/>
-    <p:sldId id="267" r:id="rId13"/>
-    <p:sldId id="268" r:id="rId14"/>
-    <p:sldId id="269" r:id="rId15"/>
-    <p:sldId id="270" r:id="rId16"/>
-    <p:sldId id="271" r:id="rId17"/>
+    <p:sldId id="282" r:id="rId8"/>
+    <p:sldId id="281" r:id="rId9"/>
+    <p:sldId id="262" r:id="rId10"/>
+    <p:sldId id="263" r:id="rId11"/>
+    <p:sldId id="284" r:id="rId12"/>
+    <p:sldId id="283" r:id="rId13"/>
+    <p:sldId id="264" r:id="rId14"/>
+    <p:sldId id="265" r:id="rId15"/>
+    <p:sldId id="266" r:id="rId16"/>
+    <p:sldId id="267" r:id="rId17"/>
+    <p:sldId id="268" r:id="rId18"/>
+    <p:sldId id="269" r:id="rId19"/>
+    <p:sldId id="270" r:id="rId20"/>
+    <p:sldId id="271" r:id="rId21"/>
+    <p:sldId id="279" r:id="rId22"/>
   </p:sldIdLst>
   <p:sldSz cx="12192000" cy="6858000"/>
   <p:notesSz cx="6858000" cy="9144000"/>
@@ -276,7 +281,7 @@
           <a:p>
             <a:fld id="{D85CDBF1-970C-4EE7-B49A-41DD4DCEF239}" type="datetimeFigureOut">
               <a:rPr lang="fr-FR" smtClean="0"/>
-              <a:t>22/02/2025</a:t>
+              <a:t>26/02/2025</a:t>
             </a:fld>
             <a:endParaRPr lang="fr-FR"/>
           </a:p>
@@ -476,7 +481,7 @@
           <a:p>
             <a:fld id="{D85CDBF1-970C-4EE7-B49A-41DD4DCEF239}" type="datetimeFigureOut">
               <a:rPr lang="fr-FR" smtClean="0"/>
-              <a:t>22/02/2025</a:t>
+              <a:t>26/02/2025</a:t>
             </a:fld>
             <a:endParaRPr lang="fr-FR"/>
           </a:p>
@@ -686,7 +691,7 @@
           <a:p>
             <a:fld id="{D85CDBF1-970C-4EE7-B49A-41DD4DCEF239}" type="datetimeFigureOut">
               <a:rPr lang="fr-FR" smtClean="0"/>
-              <a:t>22/02/2025</a:t>
+              <a:t>26/02/2025</a:t>
             </a:fld>
             <a:endParaRPr lang="fr-FR"/>
           </a:p>
@@ -886,7 +891,7 @@
           <a:p>
             <a:fld id="{D85CDBF1-970C-4EE7-B49A-41DD4DCEF239}" type="datetimeFigureOut">
               <a:rPr lang="fr-FR" smtClean="0"/>
-              <a:t>22/02/2025</a:t>
+              <a:t>26/02/2025</a:t>
             </a:fld>
             <a:endParaRPr lang="fr-FR"/>
           </a:p>
@@ -1162,7 +1167,7 @@
           <a:p>
             <a:fld id="{D85CDBF1-970C-4EE7-B49A-41DD4DCEF239}" type="datetimeFigureOut">
               <a:rPr lang="fr-FR" smtClean="0"/>
-              <a:t>22/02/2025</a:t>
+              <a:t>26/02/2025</a:t>
             </a:fld>
             <a:endParaRPr lang="fr-FR"/>
           </a:p>
@@ -1430,7 +1435,7 @@
           <a:p>
             <a:fld id="{D85CDBF1-970C-4EE7-B49A-41DD4DCEF239}" type="datetimeFigureOut">
               <a:rPr lang="fr-FR" smtClean="0"/>
-              <a:t>22/02/2025</a:t>
+              <a:t>26/02/2025</a:t>
             </a:fld>
             <a:endParaRPr lang="fr-FR"/>
           </a:p>
@@ -1845,7 +1850,7 @@
           <a:p>
             <a:fld id="{D85CDBF1-970C-4EE7-B49A-41DD4DCEF239}" type="datetimeFigureOut">
               <a:rPr lang="fr-FR" smtClean="0"/>
-              <a:t>22/02/2025</a:t>
+              <a:t>26/02/2025</a:t>
             </a:fld>
             <a:endParaRPr lang="fr-FR"/>
           </a:p>
@@ -1987,7 +1992,7 @@
           <a:p>
             <a:fld id="{D85CDBF1-970C-4EE7-B49A-41DD4DCEF239}" type="datetimeFigureOut">
               <a:rPr lang="fr-FR" smtClean="0"/>
-              <a:t>22/02/2025</a:t>
+              <a:t>26/02/2025</a:t>
             </a:fld>
             <a:endParaRPr lang="fr-FR"/>
           </a:p>
@@ -2100,7 +2105,7 @@
           <a:p>
             <a:fld id="{D85CDBF1-970C-4EE7-B49A-41DD4DCEF239}" type="datetimeFigureOut">
               <a:rPr lang="fr-FR" smtClean="0"/>
-              <a:t>22/02/2025</a:t>
+              <a:t>26/02/2025</a:t>
             </a:fld>
             <a:endParaRPr lang="fr-FR"/>
           </a:p>
@@ -2413,7 +2418,7 @@
           <a:p>
             <a:fld id="{D85CDBF1-970C-4EE7-B49A-41DD4DCEF239}" type="datetimeFigureOut">
               <a:rPr lang="fr-FR" smtClean="0"/>
-              <a:t>22/02/2025</a:t>
+              <a:t>26/02/2025</a:t>
             </a:fld>
             <a:endParaRPr lang="fr-FR"/>
           </a:p>
@@ -2702,7 +2707,7 @@
           <a:p>
             <a:fld id="{D85CDBF1-970C-4EE7-B49A-41DD4DCEF239}" type="datetimeFigureOut">
               <a:rPr lang="fr-FR" smtClean="0"/>
-              <a:t>22/02/2025</a:t>
+              <a:t>26/02/2025</a:t>
             </a:fld>
             <a:endParaRPr lang="fr-FR"/>
           </a:p>
@@ -2945,7 +2950,7 @@
           <a:p>
             <a:fld id="{D85CDBF1-970C-4EE7-B49A-41DD4DCEF239}" type="datetimeFigureOut">
               <a:rPr lang="fr-FR" smtClean="0"/>
-              <a:t>22/02/2025</a:t>
+              <a:t>26/02/2025</a:t>
             </a:fld>
             <a:endParaRPr lang="fr-FR"/>
           </a:p>
@@ -3384,10 +3389,14 @@
           <a:lstStyle/>
           <a:p>
             <a:r>
-              <a:rPr lang="en-US" dirty="0" err="1"/>
+              <a:rPr lang="en-US" dirty="0" err="1">
+                <a:latin typeface="Garamond" panose="02020404030301010803" pitchFamily="18" charset="0"/>
+              </a:rPr>
               <a:t>photoStockage</a:t>
             </a:r>
-            <a:endParaRPr lang="fr-FR" dirty="0"/>
+            <a:endParaRPr lang="fr-FR" dirty="0">
+              <a:latin typeface="Garamond" panose="02020404030301010803" pitchFamily="18" charset="0"/>
+            </a:endParaRPr>
           </a:p>
         </p:txBody>
       </p:sp>
@@ -3415,25 +3424,35 @@
           <a:lstStyle/>
           <a:p>
             <a:r>
-              <a:rPr lang="en-US" dirty="0"/>
+              <a:rPr lang="en-US" dirty="0">
+                <a:latin typeface="Garamond" panose="02020404030301010803" pitchFamily="18" charset="0"/>
+              </a:rPr>
               <a:t>A platform for free photo sharing and community engagement</a:t>
             </a:r>
           </a:p>
           <a:p>
-            <a:endParaRPr lang="en-US" dirty="0"/>
-          </a:p>
-          <a:p>
-            <a:r>
-              <a:rPr lang="en-US" dirty="0"/>
+            <a:endParaRPr lang="en-US" dirty="0">
+              <a:latin typeface="Garamond" panose="02020404030301010803" pitchFamily="18" charset="0"/>
+            </a:endParaRPr>
+          </a:p>
+          <a:p>
+            <a:r>
+              <a:rPr lang="en-US" dirty="0">
+                <a:latin typeface="Garamond" panose="02020404030301010803" pitchFamily="18" charset="0"/>
+              </a:rPr>
               <a:t>Sotirios NATSIOS</a:t>
             </a:r>
           </a:p>
           <a:p>
             <a:r>
-              <a:rPr lang="en-US" dirty="0"/>
+              <a:rPr lang="en-US" dirty="0">
+                <a:latin typeface="Garamond" panose="02020404030301010803" pitchFamily="18" charset="0"/>
+              </a:rPr>
               <a:t>February 22, 2025</a:t>
             </a:r>
-            <a:endParaRPr lang="fr-FR" dirty="0"/>
+            <a:endParaRPr lang="fr-FR" dirty="0">
+              <a:latin typeface="Garamond" panose="02020404030301010803" pitchFamily="18" charset="0"/>
+            </a:endParaRPr>
           </a:p>
         </p:txBody>
       </p:sp>
@@ -3472,7 +3491,7 @@
           <p:cNvPr id="2" name="Title 1">
             <a:extLst>
               <a:ext uri="{FF2B5EF4-FFF2-40B4-BE49-F238E27FC236}">
-                <a16:creationId xmlns:a16="http://schemas.microsoft.com/office/drawing/2014/main" id="{F8018446-37E3-7836-61B8-5C4E74A7348E}"/>
+                <a16:creationId xmlns:a16="http://schemas.microsoft.com/office/drawing/2014/main" id="{34B07B47-5956-3AFB-FB81-C21E4052BEF4}"/>
               </a:ext>
             </a:extLst>
           </p:cNvPr>
@@ -3489,10 +3508,14 @@
           <a:lstStyle/>
           <a:p>
             <a:r>
-              <a:rPr lang="en-US" dirty="0"/>
-              <a:t>Testing &amp; Quality Assurance</a:t>
-            </a:r>
-            <a:endParaRPr lang="fr-FR" dirty="0"/>
+              <a:rPr lang="en-US" dirty="0">
+                <a:latin typeface="Garamond" panose="02020404030301010803" pitchFamily="18" charset="0"/>
+              </a:rPr>
+              <a:t>Frontend Code Examples</a:t>
+            </a:r>
+            <a:endParaRPr lang="fr-FR" dirty="0">
+              <a:latin typeface="Garamond" panose="02020404030301010803" pitchFamily="18" charset="0"/>
+            </a:endParaRPr>
           </a:p>
         </p:txBody>
       </p:sp>
@@ -3501,7 +3524,7 @@
           <p:cNvPr id="3" name="Content Placeholder 2">
             <a:extLst>
               <a:ext uri="{FF2B5EF4-FFF2-40B4-BE49-F238E27FC236}">
-                <a16:creationId xmlns:a16="http://schemas.microsoft.com/office/drawing/2014/main" id="{68477B74-C249-6F51-D89E-211A24D7E7DA}"/>
+                <a16:creationId xmlns:a16="http://schemas.microsoft.com/office/drawing/2014/main" id="{FFE627D8-9DDB-92A1-22FC-452DE0AD5DDE}"/>
               </a:ext>
             </a:extLst>
           </p:cNvPr>
@@ -3518,34 +3541,84 @@
           <a:lstStyle/>
           <a:p>
             <a:r>
-              <a:rPr lang="en-US" dirty="0"/>
-              <a:t>Testing strategy:</a:t>
-            </a:r>
-          </a:p>
-          <a:p>
-            <a:pPr lvl="1"/>
-            <a:r>
-              <a:rPr lang="en-US" dirty="0"/>
-              <a:t>Unit testing</a:t>
-            </a:r>
-          </a:p>
-          <a:p>
-            <a:pPr lvl="1"/>
-            <a:r>
-              <a:rPr lang="en-US" dirty="0"/>
-              <a:t>Backend and Frontend tests</a:t>
-            </a:r>
-          </a:p>
-          <a:p>
-            <a:pPr lvl="1"/>
-            <a:endParaRPr lang="fr-FR" dirty="0"/>
-          </a:p>
-        </p:txBody>
-      </p:sp>
+              <a:rPr lang="en-US" dirty="0">
+                <a:latin typeface="Garamond" panose="02020404030301010803" pitchFamily="18" charset="0"/>
+              </a:rPr>
+              <a:t>Hero component 1/3</a:t>
+            </a:r>
+          </a:p>
+          <a:p>
+            <a:pPr lvl="1"/>
+            <a:r>
+              <a:rPr lang="en-US" dirty="0">
+                <a:latin typeface="Garamond" panose="02020404030301010803" pitchFamily="18" charset="0"/>
+              </a:rPr>
+              <a:t>Imports</a:t>
+            </a:r>
+          </a:p>
+          <a:p>
+            <a:pPr lvl="1"/>
+            <a:r>
+              <a:rPr lang="fr-FR" dirty="0">
+                <a:latin typeface="Garamond" panose="02020404030301010803" pitchFamily="18" charset="0"/>
+              </a:rPr>
+              <a:t>Export of component</a:t>
+            </a:r>
+          </a:p>
+          <a:p>
+            <a:pPr lvl="1"/>
+            <a:r>
+              <a:rPr lang="fr-FR" dirty="0" err="1">
+                <a:latin typeface="Garamond" panose="02020404030301010803" pitchFamily="18" charset="0"/>
+              </a:rPr>
+              <a:t>Render</a:t>
+            </a:r>
+            <a:endParaRPr lang="fr-FR" dirty="0">
+              <a:latin typeface="Garamond" panose="02020404030301010803" pitchFamily="18" charset="0"/>
+            </a:endParaRPr>
+          </a:p>
+        </p:txBody>
+      </p:sp>
+      <p:pic>
+        <p:nvPicPr>
+          <p:cNvPr id="5" name="Picture 4" descr="A screen shot of a computer code&#10;&#10;AI-generated content may be incorrect.">
+            <a:extLst>
+              <a:ext uri="{FF2B5EF4-FFF2-40B4-BE49-F238E27FC236}">
+                <a16:creationId xmlns:a16="http://schemas.microsoft.com/office/drawing/2014/main" id="{913A9241-4CD7-FB08-E866-BB80BD1F6806}"/>
+              </a:ext>
+            </a:extLst>
+          </p:cNvPr>
+          <p:cNvPicPr>
+            <a:picLocks noChangeAspect="1"/>
+          </p:cNvPicPr>
+          <p:nvPr/>
+        </p:nvPicPr>
+        <p:blipFill>
+          <a:blip r:embed="rId2">
+            <a:extLst>
+              <a:ext uri="{28A0092B-C50C-407E-A947-70E740481C1C}">
+                <a14:useLocalDpi xmlns:a14="http://schemas.microsoft.com/office/drawing/2010/main" val="0"/>
+              </a:ext>
+            </a:extLst>
+          </a:blip>
+          <a:stretch>
+            <a:fillRect/>
+          </a:stretch>
+        </p:blipFill>
+        <p:spPr>
+          <a:xfrm>
+            <a:off x="5192146" y="1825625"/>
+            <a:ext cx="6161654" cy="2963968"/>
+          </a:xfrm>
+          <a:prstGeom prst="rect">
+            <a:avLst/>
+          </a:prstGeom>
+        </p:spPr>
+      </p:pic>
     </p:spTree>
     <p:extLst>
       <p:ext uri="{BB962C8B-B14F-4D97-AF65-F5344CB8AC3E}">
-        <p14:creationId xmlns:p14="http://schemas.microsoft.com/office/powerpoint/2010/main" val="2895604917"/>
+        <p14:creationId xmlns:p14="http://schemas.microsoft.com/office/powerpoint/2010/main" val="1082498945"/>
       </p:ext>
     </p:extLst>
   </p:cSld>
@@ -3560,7 +3633,13 @@
   <p:cSld>
     <p:spTree>
       <p:nvGrpSpPr>
-        <p:cNvPr id="1" name=""/>
+        <p:cNvPr id="1" name="">
+          <a:extLst>
+            <a:ext uri="{FF2B5EF4-FFF2-40B4-BE49-F238E27FC236}">
+              <a16:creationId xmlns:a16="http://schemas.microsoft.com/office/drawing/2014/main" id="{BE1204FA-99A2-CF93-4BFF-EDC239F41E0C}"/>
+            </a:ext>
+          </a:extLst>
+        </p:cNvPr>
         <p:cNvGrpSpPr/>
         <p:nvPr/>
       </p:nvGrpSpPr>
@@ -3577,7 +3656,7 @@
           <p:cNvPr id="2" name="Title 1">
             <a:extLst>
               <a:ext uri="{FF2B5EF4-FFF2-40B4-BE49-F238E27FC236}">
-                <a16:creationId xmlns:a16="http://schemas.microsoft.com/office/drawing/2014/main" id="{7E327096-F505-77AB-78F6-3F80568CF982}"/>
+                <a16:creationId xmlns:a16="http://schemas.microsoft.com/office/drawing/2014/main" id="{3D06902F-AA4D-581D-2BC5-BB76B8707FA5}"/>
               </a:ext>
             </a:extLst>
           </p:cNvPr>
@@ -3594,10 +3673,14 @@
           <a:lstStyle/>
           <a:p>
             <a:r>
-              <a:rPr lang="en-US" dirty="0"/>
-              <a:t>Testing &amp; Quality Assurance Code Examples</a:t>
-            </a:r>
-            <a:endParaRPr lang="fr-FR" dirty="0"/>
+              <a:rPr lang="en-US" dirty="0">
+                <a:latin typeface="Garamond" panose="02020404030301010803" pitchFamily="18" charset="0"/>
+              </a:rPr>
+              <a:t>Frontend Code Examples</a:t>
+            </a:r>
+            <a:endParaRPr lang="fr-FR" dirty="0">
+              <a:latin typeface="Garamond" panose="02020404030301010803" pitchFamily="18" charset="0"/>
+            </a:endParaRPr>
           </a:p>
         </p:txBody>
       </p:sp>
@@ -3606,7 +3689,7 @@
           <p:cNvPr id="3" name="Content Placeholder 2">
             <a:extLst>
               <a:ext uri="{FF2B5EF4-FFF2-40B4-BE49-F238E27FC236}">
-                <a16:creationId xmlns:a16="http://schemas.microsoft.com/office/drawing/2014/main" id="{495F2FEA-F54F-B72D-F4F4-50E8573D2A89}"/>
+                <a16:creationId xmlns:a16="http://schemas.microsoft.com/office/drawing/2014/main" id="{5CB8FB9B-1394-D68E-52DE-5467ECB1B266}"/>
               </a:ext>
             </a:extLst>
           </p:cNvPr>
@@ -3622,14 +3705,93 @@
           <a:bodyPr/>
           <a:lstStyle/>
           <a:p>
-            <a:endParaRPr lang="fr-FR"/>
-          </a:p>
-        </p:txBody>
-      </p:sp>
+            <a:r>
+              <a:rPr lang="en-US" dirty="0">
+                <a:latin typeface="Garamond" panose="02020404030301010803" pitchFamily="18" charset="0"/>
+              </a:rPr>
+              <a:t>Hero component 2/3</a:t>
+            </a:r>
+          </a:p>
+          <a:p>
+            <a:pPr lvl="1"/>
+            <a:r>
+              <a:rPr lang="en-US" dirty="0">
+                <a:latin typeface="Garamond" panose="02020404030301010803" pitchFamily="18" charset="0"/>
+              </a:rPr>
+              <a:t>Imports</a:t>
+            </a:r>
+          </a:p>
+          <a:p>
+            <a:pPr lvl="1"/>
+            <a:r>
+              <a:rPr lang="fr-FR" dirty="0">
+                <a:latin typeface="Garamond" panose="02020404030301010803" pitchFamily="18" charset="0"/>
+              </a:rPr>
+              <a:t>Export of component</a:t>
+            </a:r>
+          </a:p>
+          <a:p>
+            <a:pPr lvl="1"/>
+            <a:r>
+              <a:rPr lang="fr-FR" dirty="0" err="1">
+                <a:latin typeface="Garamond" panose="02020404030301010803" pitchFamily="18" charset="0"/>
+              </a:rPr>
+              <a:t>Render</a:t>
+            </a:r>
+            <a:endParaRPr lang="fr-FR" dirty="0">
+              <a:latin typeface="Garamond" panose="02020404030301010803" pitchFamily="18" charset="0"/>
+            </a:endParaRPr>
+          </a:p>
+          <a:p>
+            <a:pPr marL="0" indent="0">
+              <a:buNone/>
+            </a:pPr>
+            <a:endParaRPr lang="fr-FR" dirty="0">
+              <a:latin typeface="Garamond" panose="02020404030301010803" pitchFamily="18" charset="0"/>
+            </a:endParaRPr>
+          </a:p>
+        </p:txBody>
+      </p:sp>
+      <p:pic>
+        <p:nvPicPr>
+          <p:cNvPr id="5" name="Picture 4" descr="A screen shot of a computer screen&#10;&#10;AI-generated content may be incorrect.">
+            <a:extLst>
+              <a:ext uri="{FF2B5EF4-FFF2-40B4-BE49-F238E27FC236}">
+                <a16:creationId xmlns:a16="http://schemas.microsoft.com/office/drawing/2014/main" id="{982BBE65-11EA-C38C-FA45-F1515CFB524D}"/>
+              </a:ext>
+            </a:extLst>
+          </p:cNvPr>
+          <p:cNvPicPr>
+            <a:picLocks noChangeAspect="1"/>
+          </p:cNvPicPr>
+          <p:nvPr/>
+        </p:nvPicPr>
+        <p:blipFill>
+          <a:blip r:embed="rId2">
+            <a:extLst>
+              <a:ext uri="{28A0092B-C50C-407E-A947-70E740481C1C}">
+                <a14:useLocalDpi xmlns:a14="http://schemas.microsoft.com/office/drawing/2010/main" val="0"/>
+              </a:ext>
+            </a:extLst>
+          </a:blip>
+          <a:stretch>
+            <a:fillRect/>
+          </a:stretch>
+        </p:blipFill>
+        <p:spPr>
+          <a:xfrm>
+            <a:off x="7302500" y="242887"/>
+            <a:ext cx="4051300" cy="6500064"/>
+          </a:xfrm>
+          <a:prstGeom prst="rect">
+            <a:avLst/>
+          </a:prstGeom>
+        </p:spPr>
+      </p:pic>
     </p:spTree>
     <p:extLst>
       <p:ext uri="{BB962C8B-B14F-4D97-AF65-F5344CB8AC3E}">
-        <p14:creationId xmlns:p14="http://schemas.microsoft.com/office/powerpoint/2010/main" val="2137573596"/>
+        <p14:creationId xmlns:p14="http://schemas.microsoft.com/office/powerpoint/2010/main" val="1540201022"/>
       </p:ext>
     </p:extLst>
   </p:cSld>
@@ -3644,7 +3806,13 @@
   <p:cSld>
     <p:spTree>
       <p:nvGrpSpPr>
-        <p:cNvPr id="1" name=""/>
+        <p:cNvPr id="1" name="">
+          <a:extLst>
+            <a:ext uri="{FF2B5EF4-FFF2-40B4-BE49-F238E27FC236}">
+              <a16:creationId xmlns:a16="http://schemas.microsoft.com/office/drawing/2014/main" id="{DDDC329C-B4B9-198B-E23F-05B2F983062F}"/>
+            </a:ext>
+          </a:extLst>
+        </p:cNvPr>
         <p:cNvGrpSpPr/>
         <p:nvPr/>
       </p:nvGrpSpPr>
@@ -3661,7 +3829,7 @@
           <p:cNvPr id="2" name="Title 1">
             <a:extLst>
               <a:ext uri="{FF2B5EF4-FFF2-40B4-BE49-F238E27FC236}">
-                <a16:creationId xmlns:a16="http://schemas.microsoft.com/office/drawing/2014/main" id="{1FFC5252-2450-061D-A0D9-CF293A609FFC}"/>
+                <a16:creationId xmlns:a16="http://schemas.microsoft.com/office/drawing/2014/main" id="{737CCC5D-66CE-CB71-B545-D01B7DFE2ECA}"/>
               </a:ext>
             </a:extLst>
           </p:cNvPr>
@@ -3678,10 +3846,14 @@
           <a:lstStyle/>
           <a:p>
             <a:r>
-              <a:rPr lang="en-US" dirty="0"/>
-              <a:t>Challenges &amp; Solutions</a:t>
-            </a:r>
-            <a:endParaRPr lang="fr-FR" dirty="0"/>
+              <a:rPr lang="en-US" dirty="0">
+                <a:latin typeface="Garamond" panose="02020404030301010803" pitchFamily="18" charset="0"/>
+              </a:rPr>
+              <a:t>Frontend Code Examples</a:t>
+            </a:r>
+            <a:endParaRPr lang="fr-FR" dirty="0">
+              <a:latin typeface="Garamond" panose="02020404030301010803" pitchFamily="18" charset="0"/>
+            </a:endParaRPr>
           </a:p>
         </p:txBody>
       </p:sp>
@@ -3690,7 +3862,7 @@
           <p:cNvPr id="3" name="Content Placeholder 2">
             <a:extLst>
               <a:ext uri="{FF2B5EF4-FFF2-40B4-BE49-F238E27FC236}">
-                <a16:creationId xmlns:a16="http://schemas.microsoft.com/office/drawing/2014/main" id="{9898DE25-446D-9AAE-F497-832FCFCB8A88}"/>
+                <a16:creationId xmlns:a16="http://schemas.microsoft.com/office/drawing/2014/main" id="{E1F75D0E-C947-FE59-EBC9-3C8CB3610556}"/>
               </a:ext>
             </a:extLst>
           </p:cNvPr>
@@ -3707,64 +3879,89 @@
           <a:lstStyle/>
           <a:p>
             <a:r>
-              <a:rPr lang="en-US" dirty="0"/>
-              <a:t>Technical challenges:</a:t>
-            </a:r>
-          </a:p>
-          <a:p>
-            <a:pPr lvl="1"/>
-            <a:r>
-              <a:rPr lang="en-US" dirty="0"/>
-              <a:t>Prototyping with Adobe XD</a:t>
-            </a:r>
-          </a:p>
-          <a:p>
-            <a:pPr lvl="1"/>
-            <a:r>
-              <a:rPr lang="en-US" dirty="0"/>
-              <a:t>Reconversion of style for mobile-first design</a:t>
-            </a:r>
-          </a:p>
-          <a:p>
-            <a:pPr lvl="1"/>
-            <a:r>
-              <a:rPr lang="en-US" dirty="0"/>
-              <a:t>Management of JWT</a:t>
-            </a:r>
-          </a:p>
-          <a:p>
-            <a:r>
-              <a:rPr lang="en-US" dirty="0"/>
-              <a:t>Solutions:</a:t>
-            </a:r>
-          </a:p>
-          <a:p>
-            <a:pPr lvl="1"/>
-            <a:r>
-              <a:rPr lang="en-US" dirty="0"/>
-              <a:t>Watched tutorials and sought guidance from forums</a:t>
-            </a:r>
-          </a:p>
-          <a:p>
-            <a:pPr lvl="1"/>
-            <a:r>
-              <a:rPr lang="en-US" dirty="0"/>
-              <a:t>Re-read styles and re-imagined them as mobile-first</a:t>
-            </a:r>
-          </a:p>
-          <a:p>
-            <a:pPr lvl="1"/>
-            <a:r>
-              <a:rPr lang="en-US" dirty="0"/>
-              <a:t>Learned from training projects for JWT and cookie management</a:t>
-            </a:r>
-          </a:p>
-        </p:txBody>
-      </p:sp>
+              <a:rPr lang="en-US" dirty="0">
+                <a:latin typeface="Garamond" panose="02020404030301010803" pitchFamily="18" charset="0"/>
+              </a:rPr>
+              <a:t>Hero component 3/3</a:t>
+            </a:r>
+          </a:p>
+          <a:p>
+            <a:pPr lvl="1"/>
+            <a:r>
+              <a:rPr lang="en-US" dirty="0">
+                <a:latin typeface="Garamond" panose="02020404030301010803" pitchFamily="18" charset="0"/>
+              </a:rPr>
+              <a:t>Imports</a:t>
+            </a:r>
+          </a:p>
+          <a:p>
+            <a:pPr lvl="1"/>
+            <a:r>
+              <a:rPr lang="fr-FR" dirty="0">
+                <a:latin typeface="Garamond" panose="02020404030301010803" pitchFamily="18" charset="0"/>
+              </a:rPr>
+              <a:t>Export of component</a:t>
+            </a:r>
+          </a:p>
+          <a:p>
+            <a:pPr lvl="1"/>
+            <a:r>
+              <a:rPr lang="fr-FR" dirty="0" err="1">
+                <a:latin typeface="Garamond" panose="02020404030301010803" pitchFamily="18" charset="0"/>
+              </a:rPr>
+              <a:t>Render</a:t>
+            </a:r>
+            <a:endParaRPr lang="fr-FR" dirty="0">
+              <a:latin typeface="Garamond" panose="02020404030301010803" pitchFamily="18" charset="0"/>
+            </a:endParaRPr>
+          </a:p>
+          <a:p>
+            <a:endParaRPr lang="fr-FR" dirty="0">
+              <a:latin typeface="Garamond" panose="02020404030301010803" pitchFamily="18" charset="0"/>
+            </a:endParaRPr>
+          </a:p>
+        </p:txBody>
+      </p:sp>
+      <p:pic>
+        <p:nvPicPr>
+          <p:cNvPr id="5" name="Picture 4" descr="A screen shot of a computer&#10;&#10;AI-generated content may be incorrect.">
+            <a:extLst>
+              <a:ext uri="{FF2B5EF4-FFF2-40B4-BE49-F238E27FC236}">
+                <a16:creationId xmlns:a16="http://schemas.microsoft.com/office/drawing/2014/main" id="{E2D50662-4020-D62C-A68E-5B9FC6ECA590}"/>
+              </a:ext>
+            </a:extLst>
+          </p:cNvPr>
+          <p:cNvPicPr>
+            <a:picLocks noChangeAspect="1"/>
+          </p:cNvPicPr>
+          <p:nvPr/>
+        </p:nvPicPr>
+        <p:blipFill>
+          <a:blip r:embed="rId2">
+            <a:extLst>
+              <a:ext uri="{28A0092B-C50C-407E-A947-70E740481C1C}">
+                <a14:useLocalDpi xmlns:a14="http://schemas.microsoft.com/office/drawing/2010/main" val="0"/>
+              </a:ext>
+            </a:extLst>
+          </a:blip>
+          <a:stretch>
+            <a:fillRect/>
+          </a:stretch>
+        </p:blipFill>
+        <p:spPr>
+          <a:xfrm>
+            <a:off x="6737662" y="82423"/>
+            <a:ext cx="5333688" cy="6693153"/>
+          </a:xfrm>
+          <a:prstGeom prst="rect">
+            <a:avLst/>
+          </a:prstGeom>
+        </p:spPr>
+      </p:pic>
     </p:spTree>
     <p:extLst>
       <p:ext uri="{BB962C8B-B14F-4D97-AF65-F5344CB8AC3E}">
-        <p14:creationId xmlns:p14="http://schemas.microsoft.com/office/powerpoint/2010/main" val="1151645210"/>
+        <p14:creationId xmlns:p14="http://schemas.microsoft.com/office/powerpoint/2010/main" val="2516380104"/>
       </p:ext>
     </p:extLst>
   </p:cSld>
@@ -3796,7 +3993,7 @@
           <p:cNvPr id="2" name="Title 1">
             <a:extLst>
               <a:ext uri="{FF2B5EF4-FFF2-40B4-BE49-F238E27FC236}">
-                <a16:creationId xmlns:a16="http://schemas.microsoft.com/office/drawing/2014/main" id="{57B3D0B4-04A9-397A-50A8-C5DF170197F7}"/>
+                <a16:creationId xmlns:a16="http://schemas.microsoft.com/office/drawing/2014/main" id="{1CDDEAE9-8DA1-72C2-50EE-26F2BB91443A}"/>
               </a:ext>
             </a:extLst>
           </p:cNvPr>
@@ -3813,10 +4010,14 @@
           <a:lstStyle/>
           <a:p>
             <a:r>
-              <a:rPr lang="en-US" dirty="0"/>
-              <a:t>Project Timeline &amp; Milestones</a:t>
-            </a:r>
-            <a:endParaRPr lang="fr-FR" dirty="0"/>
+              <a:rPr lang="en-US" dirty="0">
+                <a:latin typeface="Garamond" panose="02020404030301010803" pitchFamily="18" charset="0"/>
+              </a:rPr>
+              <a:t>Data Management</a:t>
+            </a:r>
+            <a:endParaRPr lang="fr-FR" dirty="0">
+              <a:latin typeface="Garamond" panose="02020404030301010803" pitchFamily="18" charset="0"/>
+            </a:endParaRPr>
           </a:p>
         </p:txBody>
       </p:sp>
@@ -3825,7 +4026,7 @@
           <p:cNvPr id="3" name="Content Placeholder 2">
             <a:extLst>
               <a:ext uri="{FF2B5EF4-FFF2-40B4-BE49-F238E27FC236}">
-                <a16:creationId xmlns:a16="http://schemas.microsoft.com/office/drawing/2014/main" id="{A2EEFAA7-8AA1-DD73-D310-748E5F49108A}"/>
+                <a16:creationId xmlns:a16="http://schemas.microsoft.com/office/drawing/2014/main" id="{3BF8135D-B130-4650-6708-0BD778433709}"/>
               </a:ext>
             </a:extLst>
           </p:cNvPr>
@@ -3842,52 +4043,137 @@
           <a:lstStyle/>
           <a:p>
             <a:r>
-              <a:rPr lang="en-US" dirty="0"/>
-              <a:t>Phases:</a:t>
-            </a:r>
-          </a:p>
-          <a:p>
-            <a:pPr lvl="1"/>
-            <a:r>
-              <a:rPr lang="en-US" dirty="0"/>
-              <a:t>Specification document (May 2024)</a:t>
-            </a:r>
-          </a:p>
-          <a:p>
-            <a:pPr lvl="1"/>
-            <a:r>
-              <a:rPr lang="en-US" dirty="0"/>
-              <a:t>UML diagrams and visual definitions (June-July 2024)</a:t>
-            </a:r>
-          </a:p>
-          <a:p>
-            <a:pPr lvl="1"/>
-            <a:r>
-              <a:rPr lang="en-US" dirty="0"/>
-              <a:t>Backend development (August-September 2024)</a:t>
-            </a:r>
-          </a:p>
-          <a:p>
-            <a:pPr lvl="1"/>
-            <a:r>
-              <a:rPr lang="en-US" dirty="0"/>
-              <a:t>Fronted development (September-December 2024)</a:t>
-            </a:r>
-          </a:p>
-          <a:p>
-            <a:pPr lvl="1"/>
-            <a:r>
-              <a:rPr lang="en-US" dirty="0"/>
-              <a:t>Finalization (February 2025)</a:t>
-            </a:r>
-            <a:endParaRPr lang="fr-FR" dirty="0"/>
+              <a:rPr lang="en-US" dirty="0">
+                <a:latin typeface="Garamond" panose="02020404030301010803" pitchFamily="18" charset="0"/>
+              </a:rPr>
+              <a:t>Data models:</a:t>
+            </a:r>
+          </a:p>
+          <a:p>
+            <a:pPr lvl="1"/>
+            <a:r>
+              <a:rPr lang="en-US" dirty="0">
+                <a:latin typeface="Garamond" panose="02020404030301010803" pitchFamily="18" charset="0"/>
+              </a:rPr>
+              <a:t>Tables of users, photos, likes, categories, </a:t>
+            </a:r>
+            <a:r>
+              <a:rPr lang="en-US" dirty="0" err="1">
+                <a:latin typeface="Garamond" panose="02020404030301010803" pitchFamily="18" charset="0"/>
+              </a:rPr>
+              <a:t>photos_categories</a:t>
+            </a:r>
+            <a:r>
+              <a:rPr lang="en-US" dirty="0">
+                <a:latin typeface="Garamond" panose="02020404030301010803" pitchFamily="18" charset="0"/>
+              </a:rPr>
+              <a:t>, comments, downloads</a:t>
+            </a:r>
+          </a:p>
+          <a:p>
+            <a:r>
+              <a:rPr lang="fr-FR" dirty="0">
+                <a:latin typeface="Garamond" panose="02020404030301010803" pitchFamily="18" charset="0"/>
+              </a:rPr>
+              <a:t>Data </a:t>
+            </a:r>
+            <a:r>
+              <a:rPr lang="fr-FR" dirty="0" err="1">
+                <a:latin typeface="Garamond" panose="02020404030301010803" pitchFamily="18" charset="0"/>
+              </a:rPr>
+              <a:t>storage</a:t>
+            </a:r>
+            <a:r>
+              <a:rPr lang="fr-FR" dirty="0">
+                <a:latin typeface="Garamond" panose="02020404030301010803" pitchFamily="18" charset="0"/>
+              </a:rPr>
+              <a:t>:</a:t>
+            </a:r>
+          </a:p>
+          <a:p>
+            <a:pPr lvl="1"/>
+            <a:r>
+              <a:rPr lang="fr-FR" dirty="0">
+                <a:latin typeface="Garamond" panose="02020404030301010803" pitchFamily="18" charset="0"/>
+              </a:rPr>
+              <a:t>Use of PostgreSQL (local)</a:t>
+            </a:r>
+          </a:p>
+          <a:p>
+            <a:pPr lvl="1"/>
+            <a:r>
+              <a:rPr lang="fr-FR" dirty="0">
+                <a:latin typeface="Garamond" panose="02020404030301010803" pitchFamily="18" charset="0"/>
+              </a:rPr>
+              <a:t>Use of MySQL (</a:t>
+            </a:r>
+            <a:r>
+              <a:rPr lang="fr-FR" dirty="0" err="1">
+                <a:latin typeface="Garamond" panose="02020404030301010803" pitchFamily="18" charset="0"/>
+              </a:rPr>
+              <a:t>hosted</a:t>
+            </a:r>
+            <a:r>
+              <a:rPr lang="fr-FR" dirty="0">
+                <a:latin typeface="Garamond" panose="02020404030301010803" pitchFamily="18" charset="0"/>
+              </a:rPr>
+              <a:t> for </a:t>
+            </a:r>
+            <a:r>
+              <a:rPr lang="fr-FR" dirty="0" err="1">
+                <a:latin typeface="Garamond" panose="02020404030301010803" pitchFamily="18" charset="0"/>
+              </a:rPr>
+              <a:t>demo</a:t>
+            </a:r>
+            <a:r>
+              <a:rPr lang="fr-FR" dirty="0">
+                <a:latin typeface="Garamond" panose="02020404030301010803" pitchFamily="18" charset="0"/>
+              </a:rPr>
+              <a:t>)</a:t>
+            </a:r>
+          </a:p>
+          <a:p>
+            <a:pPr lvl="1"/>
+            <a:r>
+              <a:rPr lang="fr-FR" dirty="0" err="1">
+                <a:latin typeface="Garamond" panose="02020404030301010803" pitchFamily="18" charset="0"/>
+              </a:rPr>
+              <a:t>Hosted</a:t>
+            </a:r>
+            <a:r>
+              <a:rPr lang="fr-FR" dirty="0">
+                <a:latin typeface="Garamond" panose="02020404030301010803" pitchFamily="18" charset="0"/>
+              </a:rPr>
+              <a:t> on </a:t>
+            </a:r>
+            <a:r>
+              <a:rPr lang="fr-FR" dirty="0" err="1">
+                <a:latin typeface="Garamond" panose="02020404030301010803" pitchFamily="18" charset="0"/>
+              </a:rPr>
+              <a:t>Namecheap</a:t>
+            </a:r>
+            <a:r>
+              <a:rPr lang="fr-FR" dirty="0">
+                <a:latin typeface="Garamond" panose="02020404030301010803" pitchFamily="18" charset="0"/>
+              </a:rPr>
+              <a:t> and </a:t>
+            </a:r>
+            <a:r>
+              <a:rPr lang="fr-FR" dirty="0" err="1">
+                <a:latin typeface="Garamond" panose="02020404030301010803" pitchFamily="18" charset="0"/>
+              </a:rPr>
+              <a:t>Vercel</a:t>
+            </a:r>
+            <a:endParaRPr lang="en-US" dirty="0">
+              <a:latin typeface="Garamond" panose="02020404030301010803" pitchFamily="18" charset="0"/>
+            </a:endParaRPr>
           </a:p>
         </p:txBody>
       </p:sp>
     </p:spTree>
     <p:extLst>
       <p:ext uri="{BB962C8B-B14F-4D97-AF65-F5344CB8AC3E}">
-        <p14:creationId xmlns:p14="http://schemas.microsoft.com/office/powerpoint/2010/main" val="139857989"/>
+        <p14:creationId xmlns:p14="http://schemas.microsoft.com/office/powerpoint/2010/main" val="915499038"/>
       </p:ext>
     </p:extLst>
   </p:cSld>
@@ -3919,7 +4205,7 @@
           <p:cNvPr id="2" name="Title 1">
             <a:extLst>
               <a:ext uri="{FF2B5EF4-FFF2-40B4-BE49-F238E27FC236}">
-                <a16:creationId xmlns:a16="http://schemas.microsoft.com/office/drawing/2014/main" id="{19045542-6E4F-160A-B3C9-7E226A8C6E1D}"/>
+                <a16:creationId xmlns:a16="http://schemas.microsoft.com/office/drawing/2014/main" id="{F8018446-37E3-7836-61B8-5C4E74A7348E}"/>
               </a:ext>
             </a:extLst>
           </p:cNvPr>
@@ -3936,10 +4222,14 @@
           <a:lstStyle/>
           <a:p>
             <a:r>
-              <a:rPr lang="en-US" dirty="0"/>
-              <a:t>Legal &amp; Compliance</a:t>
-            </a:r>
-            <a:endParaRPr lang="fr-FR" dirty="0"/>
+              <a:rPr lang="en-US" dirty="0">
+                <a:latin typeface="Garamond" panose="02020404030301010803" pitchFamily="18" charset="0"/>
+              </a:rPr>
+              <a:t>Testing &amp; Quality Assurance</a:t>
+            </a:r>
+            <a:endParaRPr lang="fr-FR" dirty="0">
+              <a:latin typeface="Garamond" panose="02020404030301010803" pitchFamily="18" charset="0"/>
+            </a:endParaRPr>
           </a:p>
         </p:txBody>
       </p:sp>
@@ -3948,7 +4238,7 @@
           <p:cNvPr id="3" name="Content Placeholder 2">
             <a:extLst>
               <a:ext uri="{FF2B5EF4-FFF2-40B4-BE49-F238E27FC236}">
-                <a16:creationId xmlns:a16="http://schemas.microsoft.com/office/drawing/2014/main" id="{E39FBA9F-70BF-9222-A791-08F5C879EEF3}"/>
+                <a16:creationId xmlns:a16="http://schemas.microsoft.com/office/drawing/2014/main" id="{68477B74-C249-6F51-D89E-211A24D7E7DA}"/>
               </a:ext>
             </a:extLst>
           </p:cNvPr>
@@ -3965,72 +4255,42 @@
           <a:lstStyle/>
           <a:p>
             <a:r>
-              <a:rPr lang="en-US" dirty="0"/>
-              <a:t>Intellectual property:</a:t>
-            </a:r>
-          </a:p>
-          <a:p>
-            <a:pPr lvl="1"/>
-            <a:r>
-              <a:rPr lang="en-US" dirty="0"/>
-              <a:t>Licensed under the MIT license</a:t>
-            </a:r>
-          </a:p>
-          <a:p>
-            <a:pPr lvl="1"/>
-            <a:r>
-              <a:rPr lang="en-US" dirty="0"/>
-              <a:t>Open-source</a:t>
-            </a:r>
-          </a:p>
-          <a:p>
-            <a:r>
-              <a:rPr lang="en-US" dirty="0"/>
-              <a:t>Compliance</a:t>
-            </a:r>
-            <a:r>
-              <a:rPr lang="fr-FR" dirty="0"/>
-              <a:t>:</a:t>
-            </a:r>
-          </a:p>
-          <a:p>
-            <a:pPr lvl="1"/>
-            <a:r>
-              <a:rPr lang="fr-FR" dirty="0"/>
-              <a:t>DGPR and </a:t>
-            </a:r>
-            <a:r>
-              <a:rPr lang="fr-FR" dirty="0" err="1"/>
-              <a:t>European</a:t>
-            </a:r>
-            <a:r>
-              <a:rPr lang="fr-FR" dirty="0"/>
-              <a:t> </a:t>
-            </a:r>
-            <a:r>
-              <a:rPr lang="fr-FR" dirty="0" err="1"/>
-              <a:t>laws</a:t>
-            </a:r>
-            <a:endParaRPr lang="fr-FR" dirty="0"/>
-          </a:p>
-          <a:p>
-            <a:pPr lvl="1"/>
-            <a:r>
-              <a:rPr lang="fr-FR" dirty="0" err="1"/>
-              <a:t>Terms</a:t>
-            </a:r>
-            <a:r>
-              <a:rPr lang="fr-FR" dirty="0"/>
-              <a:t> and conditions</a:t>
-            </a:r>
-            <a:endParaRPr lang="en-US" dirty="0"/>
+              <a:rPr lang="en-US" dirty="0">
+                <a:latin typeface="Garamond" panose="02020404030301010803" pitchFamily="18" charset="0"/>
+              </a:rPr>
+              <a:t>Testing strategy:</a:t>
+            </a:r>
+          </a:p>
+          <a:p>
+            <a:pPr lvl="1"/>
+            <a:r>
+              <a:rPr lang="en-US" dirty="0">
+                <a:latin typeface="Garamond" panose="02020404030301010803" pitchFamily="18" charset="0"/>
+              </a:rPr>
+              <a:t>Unit testing</a:t>
+            </a:r>
+          </a:p>
+          <a:p>
+            <a:pPr lvl="1"/>
+            <a:r>
+              <a:rPr lang="en-US" dirty="0">
+                <a:latin typeface="Garamond" panose="02020404030301010803" pitchFamily="18" charset="0"/>
+              </a:rPr>
+              <a:t>Backend and Frontend tests</a:t>
+            </a:r>
+          </a:p>
+          <a:p>
+            <a:pPr lvl="1"/>
+            <a:endParaRPr lang="fr-FR" dirty="0">
+              <a:latin typeface="Garamond" panose="02020404030301010803" pitchFamily="18" charset="0"/>
+            </a:endParaRPr>
           </a:p>
         </p:txBody>
       </p:sp>
     </p:spTree>
     <p:extLst>
       <p:ext uri="{BB962C8B-B14F-4D97-AF65-F5344CB8AC3E}">
-        <p14:creationId xmlns:p14="http://schemas.microsoft.com/office/powerpoint/2010/main" val="3305658643"/>
+        <p14:creationId xmlns:p14="http://schemas.microsoft.com/office/powerpoint/2010/main" val="2895604917"/>
       </p:ext>
     </p:extLst>
   </p:cSld>
@@ -4062,7 +4322,7 @@
           <p:cNvPr id="2" name="Title 1">
             <a:extLst>
               <a:ext uri="{FF2B5EF4-FFF2-40B4-BE49-F238E27FC236}">
-                <a16:creationId xmlns:a16="http://schemas.microsoft.com/office/drawing/2014/main" id="{76D83DCA-030B-5965-0D4C-A7DD098F692B}"/>
+                <a16:creationId xmlns:a16="http://schemas.microsoft.com/office/drawing/2014/main" id="{7E327096-F505-77AB-78F6-3F80568CF982}"/>
               </a:ext>
             </a:extLst>
           </p:cNvPr>
@@ -4079,19 +4339,23 @@
           <a:lstStyle/>
           <a:p>
             <a:r>
-              <a:rPr lang="en-US" dirty="0"/>
-              <a:t>Conclusion &amp; Approval</a:t>
-            </a:r>
-            <a:endParaRPr lang="fr-FR" dirty="0"/>
-          </a:p>
-        </p:txBody>
-      </p:sp>
-      <p:sp>
-        <p:nvSpPr>
-          <p:cNvPr id="3" name="Content Placeholder 2">
-            <a:extLst>
-              <a:ext uri="{FF2B5EF4-FFF2-40B4-BE49-F238E27FC236}">
-                <a16:creationId xmlns:a16="http://schemas.microsoft.com/office/drawing/2014/main" id="{833D90FB-787E-FE5A-76A7-54045D11463B}"/>
+              <a:rPr lang="en-US" dirty="0">
+                <a:latin typeface="Garamond" panose="02020404030301010803" pitchFamily="18" charset="0"/>
+              </a:rPr>
+              <a:t>Testing &amp; Quality Assurance Code Examples</a:t>
+            </a:r>
+            <a:endParaRPr lang="fr-FR" dirty="0">
+              <a:latin typeface="Garamond" panose="02020404030301010803" pitchFamily="18" charset="0"/>
+            </a:endParaRPr>
+          </a:p>
+        </p:txBody>
+      </p:sp>
+      <p:sp>
+        <p:nvSpPr>
+          <p:cNvPr id="7" name="Content Placeholder 6">
+            <a:extLst>
+              <a:ext uri="{FF2B5EF4-FFF2-40B4-BE49-F238E27FC236}">
+                <a16:creationId xmlns:a16="http://schemas.microsoft.com/office/drawing/2014/main" id="{C74169D8-D53C-E88E-D61B-DD22D4CF3B9B}"/>
               </a:ext>
             </a:extLst>
           </p:cNvPr>
@@ -4108,51 +4372,70 @@
           <a:lstStyle/>
           <a:p>
             <a:r>
-              <a:rPr lang="en-US" dirty="0"/>
-              <a:t>Summary:</a:t>
-            </a:r>
-          </a:p>
-          <a:p>
-            <a:pPr lvl="1"/>
-            <a:r>
-              <a:rPr lang="en-US" dirty="0"/>
-              <a:t>Recap of key points</a:t>
-            </a:r>
-          </a:p>
-          <a:p>
-            <a:pPr lvl="1"/>
-            <a:r>
-              <a:rPr lang="en-US" dirty="0"/>
-              <a:t>Importance of the project</a:t>
-            </a:r>
-          </a:p>
-          <a:p>
-            <a:r>
-              <a:rPr lang="en-US" dirty="0"/>
-              <a:t>Additional considerations:</a:t>
-            </a:r>
-          </a:p>
-          <a:p>
-            <a:pPr lvl="1"/>
-            <a:r>
-              <a:rPr lang="en-US" dirty="0"/>
-              <a:t>Documentation</a:t>
-            </a:r>
-          </a:p>
-          <a:p>
-            <a:pPr lvl="1"/>
-            <a:r>
-              <a:rPr lang="en-US" dirty="0"/>
-              <a:t>Future improvements</a:t>
-            </a:r>
-            <a:endParaRPr lang="fr-FR" dirty="0"/>
-          </a:p>
-        </p:txBody>
-      </p:sp>
+              <a:rPr lang="en-US" dirty="0">
+                <a:latin typeface="Garamond" panose="02020404030301010803" pitchFamily="18" charset="0"/>
+              </a:rPr>
+              <a:t>Imports</a:t>
+            </a:r>
+          </a:p>
+          <a:p>
+            <a:r>
+              <a:rPr lang="en-US" dirty="0">
+                <a:latin typeface="Garamond" panose="02020404030301010803" pitchFamily="18" charset="0"/>
+              </a:rPr>
+              <a:t>Preparation</a:t>
+            </a:r>
+          </a:p>
+          <a:p>
+            <a:r>
+              <a:rPr lang="fr-FR" dirty="0">
+                <a:latin typeface="Garamond" panose="02020404030301010803" pitchFamily="18" charset="0"/>
+              </a:rPr>
+              <a:t>Expectation</a:t>
+            </a:r>
+          </a:p>
+        </p:txBody>
+      </p:sp>
+      <p:pic>
+        <p:nvPicPr>
+          <p:cNvPr id="9" name="Picture 8" descr="A screenshot of a computer screen&#10;&#10;AI-generated content may be incorrect.">
+            <a:extLst>
+              <a:ext uri="{FF2B5EF4-FFF2-40B4-BE49-F238E27FC236}">
+                <a16:creationId xmlns:a16="http://schemas.microsoft.com/office/drawing/2014/main" id="{D02DE8B2-995F-A535-4E8C-061D9A6F1150}"/>
+              </a:ext>
+            </a:extLst>
+          </p:cNvPr>
+          <p:cNvPicPr>
+            <a:picLocks noChangeAspect="1"/>
+          </p:cNvPicPr>
+          <p:nvPr/>
+        </p:nvPicPr>
+        <p:blipFill>
+          <a:blip r:embed="rId2">
+            <a:extLst>
+              <a:ext uri="{28A0092B-C50C-407E-A947-70E740481C1C}">
+                <a14:useLocalDpi xmlns:a14="http://schemas.microsoft.com/office/drawing/2010/main" val="0"/>
+              </a:ext>
+            </a:extLst>
+          </a:blip>
+          <a:stretch>
+            <a:fillRect/>
+          </a:stretch>
+        </p:blipFill>
+        <p:spPr>
+          <a:xfrm>
+            <a:off x="7346237" y="1346200"/>
+            <a:ext cx="4007563" cy="5467350"/>
+          </a:xfrm>
+          <a:prstGeom prst="rect">
+            <a:avLst/>
+          </a:prstGeom>
+        </p:spPr>
+      </p:pic>
     </p:spTree>
     <p:extLst>
       <p:ext uri="{BB962C8B-B14F-4D97-AF65-F5344CB8AC3E}">
-        <p14:creationId xmlns:p14="http://schemas.microsoft.com/office/powerpoint/2010/main" val="1307890701"/>
+        <p14:creationId xmlns:p14="http://schemas.microsoft.com/office/powerpoint/2010/main" val="2137573596"/>
       </p:ext>
     </p:extLst>
   </p:cSld>
@@ -4184,7 +4467,7 @@
           <p:cNvPr id="2" name="Title 1">
             <a:extLst>
               <a:ext uri="{FF2B5EF4-FFF2-40B4-BE49-F238E27FC236}">
-                <a16:creationId xmlns:a16="http://schemas.microsoft.com/office/drawing/2014/main" id="{FCFC416D-8E80-EF1C-3DEE-9F935CC9BC27}"/>
+                <a16:creationId xmlns:a16="http://schemas.microsoft.com/office/drawing/2014/main" id="{1FFC5252-2450-061D-A0D9-CF293A609FFC}"/>
               </a:ext>
             </a:extLst>
           </p:cNvPr>
@@ -4201,10 +4484,14 @@
           <a:lstStyle/>
           <a:p>
             <a:r>
-              <a:rPr lang="en-US" dirty="0"/>
-              <a:t>Q&amp;A</a:t>
-            </a:r>
-            <a:endParaRPr lang="fr-FR" dirty="0"/>
+              <a:rPr lang="en-US" dirty="0">
+                <a:latin typeface="Garamond" panose="02020404030301010803" pitchFamily="18" charset="0"/>
+              </a:rPr>
+              <a:t>Challenges &amp; Solutions</a:t>
+            </a:r>
+            <a:endParaRPr lang="fr-FR" dirty="0">
+              <a:latin typeface="Garamond" panose="02020404030301010803" pitchFamily="18" charset="0"/>
+            </a:endParaRPr>
           </a:p>
         </p:txBody>
       </p:sp>
@@ -4213,7 +4500,7 @@
           <p:cNvPr id="3" name="Content Placeholder 2">
             <a:extLst>
               <a:ext uri="{FF2B5EF4-FFF2-40B4-BE49-F238E27FC236}">
-                <a16:creationId xmlns:a16="http://schemas.microsoft.com/office/drawing/2014/main" id="{C6668F33-3577-95A5-3A86-8F52766444B2}"/>
+                <a16:creationId xmlns:a16="http://schemas.microsoft.com/office/drawing/2014/main" id="{9898DE25-446D-9AAE-F497-832FCFCB8A88}"/>
               </a:ext>
             </a:extLst>
           </p:cNvPr>
@@ -4230,23 +4517,534 @@
           <a:lstStyle/>
           <a:p>
             <a:r>
-              <a:rPr lang="en-US" dirty="0"/>
-              <a:t>Follow-up questions</a:t>
-            </a:r>
-          </a:p>
-          <a:p>
-            <a:r>
-              <a:rPr lang="en-US" dirty="0"/>
-              <a:t>General questions</a:t>
-            </a:r>
-            <a:endParaRPr lang="fr-FR" dirty="0"/>
+              <a:rPr lang="en-US" dirty="0">
+                <a:latin typeface="Garamond" panose="02020404030301010803" pitchFamily="18" charset="0"/>
+              </a:rPr>
+              <a:t>Technical challenges:</a:t>
+            </a:r>
+          </a:p>
+          <a:p>
+            <a:pPr lvl="1"/>
+            <a:r>
+              <a:rPr lang="en-US" dirty="0">
+                <a:latin typeface="Garamond" panose="02020404030301010803" pitchFamily="18" charset="0"/>
+              </a:rPr>
+              <a:t>Prototyping with Adobe XD</a:t>
+            </a:r>
+          </a:p>
+          <a:p>
+            <a:pPr lvl="1"/>
+            <a:r>
+              <a:rPr lang="en-US" dirty="0">
+                <a:latin typeface="Garamond" panose="02020404030301010803" pitchFamily="18" charset="0"/>
+              </a:rPr>
+              <a:t>Reconversion of style for mobile-first design</a:t>
+            </a:r>
+          </a:p>
+          <a:p>
+            <a:pPr lvl="1"/>
+            <a:r>
+              <a:rPr lang="en-US" dirty="0">
+                <a:latin typeface="Garamond" panose="02020404030301010803" pitchFamily="18" charset="0"/>
+              </a:rPr>
+              <a:t>Management of JWT</a:t>
+            </a:r>
+          </a:p>
+          <a:p>
+            <a:r>
+              <a:rPr lang="en-US" dirty="0">
+                <a:latin typeface="Garamond" panose="02020404030301010803" pitchFamily="18" charset="0"/>
+              </a:rPr>
+              <a:t>Solutions:</a:t>
+            </a:r>
+          </a:p>
+          <a:p>
+            <a:pPr lvl="1"/>
+            <a:r>
+              <a:rPr lang="en-US" dirty="0">
+                <a:latin typeface="Garamond" panose="02020404030301010803" pitchFamily="18" charset="0"/>
+              </a:rPr>
+              <a:t>Watched tutorials and sought guidance from forums</a:t>
+            </a:r>
+          </a:p>
+          <a:p>
+            <a:pPr lvl="1"/>
+            <a:r>
+              <a:rPr lang="en-US" dirty="0">
+                <a:latin typeface="Garamond" panose="02020404030301010803" pitchFamily="18" charset="0"/>
+              </a:rPr>
+              <a:t>Re-read styles and re-imagined them as mobile-first</a:t>
+            </a:r>
+          </a:p>
+          <a:p>
+            <a:pPr lvl="1"/>
+            <a:r>
+              <a:rPr lang="en-US" dirty="0">
+                <a:latin typeface="Garamond" panose="02020404030301010803" pitchFamily="18" charset="0"/>
+              </a:rPr>
+              <a:t>Learned from training projects for JWT and cookie management</a:t>
+            </a:r>
           </a:p>
         </p:txBody>
       </p:sp>
     </p:spTree>
     <p:extLst>
       <p:ext uri="{BB962C8B-B14F-4D97-AF65-F5344CB8AC3E}">
-        <p14:creationId xmlns:p14="http://schemas.microsoft.com/office/powerpoint/2010/main" val="3677186999"/>
+        <p14:creationId xmlns:p14="http://schemas.microsoft.com/office/powerpoint/2010/main" val="1151645210"/>
+      </p:ext>
+    </p:extLst>
+  </p:cSld>
+  <p:clrMapOvr>
+    <a:masterClrMapping/>
+  </p:clrMapOvr>
+</p:sld>
+</file>
+
+<file path=ppt/slides/slide17.xml><?xml version="1.0" encoding="utf-8"?>
+<p:sld xmlns:a="http://schemas.openxmlformats.org/drawingml/2006/main" xmlns:r="http://schemas.openxmlformats.org/officeDocument/2006/relationships" xmlns:p="http://schemas.openxmlformats.org/presentationml/2006/main">
+  <p:cSld>
+    <p:spTree>
+      <p:nvGrpSpPr>
+        <p:cNvPr id="1" name=""/>
+        <p:cNvGrpSpPr/>
+        <p:nvPr/>
+      </p:nvGrpSpPr>
+      <p:grpSpPr>
+        <a:xfrm>
+          <a:off x="0" y="0"/>
+          <a:ext cx="0" cy="0"/>
+          <a:chOff x="0" y="0"/>
+          <a:chExt cx="0" cy="0"/>
+        </a:xfrm>
+      </p:grpSpPr>
+      <p:sp>
+        <p:nvSpPr>
+          <p:cNvPr id="2" name="Title 1">
+            <a:extLst>
+              <a:ext uri="{FF2B5EF4-FFF2-40B4-BE49-F238E27FC236}">
+                <a16:creationId xmlns:a16="http://schemas.microsoft.com/office/drawing/2014/main" id="{57B3D0B4-04A9-397A-50A8-C5DF170197F7}"/>
+              </a:ext>
+            </a:extLst>
+          </p:cNvPr>
+          <p:cNvSpPr>
+            <a:spLocks noGrp="1"/>
+          </p:cNvSpPr>
+          <p:nvPr>
+            <p:ph type="title"/>
+          </p:nvPr>
+        </p:nvSpPr>
+        <p:spPr/>
+        <p:txBody>
+          <a:bodyPr/>
+          <a:lstStyle/>
+          <a:p>
+            <a:r>
+              <a:rPr lang="en-US" dirty="0">
+                <a:latin typeface="Garamond" panose="02020404030301010803" pitchFamily="18" charset="0"/>
+              </a:rPr>
+              <a:t>Project Timeline &amp; Milestones</a:t>
+            </a:r>
+            <a:endParaRPr lang="fr-FR" dirty="0">
+              <a:latin typeface="Garamond" panose="02020404030301010803" pitchFamily="18" charset="0"/>
+            </a:endParaRPr>
+          </a:p>
+        </p:txBody>
+      </p:sp>
+      <p:sp>
+        <p:nvSpPr>
+          <p:cNvPr id="3" name="Content Placeholder 2">
+            <a:extLst>
+              <a:ext uri="{FF2B5EF4-FFF2-40B4-BE49-F238E27FC236}">
+                <a16:creationId xmlns:a16="http://schemas.microsoft.com/office/drawing/2014/main" id="{A2EEFAA7-8AA1-DD73-D310-748E5F49108A}"/>
+              </a:ext>
+            </a:extLst>
+          </p:cNvPr>
+          <p:cNvSpPr>
+            <a:spLocks noGrp="1"/>
+          </p:cNvSpPr>
+          <p:nvPr>
+            <p:ph idx="1"/>
+          </p:nvPr>
+        </p:nvSpPr>
+        <p:spPr/>
+        <p:txBody>
+          <a:bodyPr/>
+          <a:lstStyle/>
+          <a:p>
+            <a:r>
+              <a:rPr lang="en-US" dirty="0">
+                <a:latin typeface="Garamond" panose="02020404030301010803" pitchFamily="18" charset="0"/>
+              </a:rPr>
+              <a:t>Phases:</a:t>
+            </a:r>
+          </a:p>
+          <a:p>
+            <a:pPr lvl="1"/>
+            <a:r>
+              <a:rPr lang="en-US" dirty="0">
+                <a:latin typeface="Garamond" panose="02020404030301010803" pitchFamily="18" charset="0"/>
+              </a:rPr>
+              <a:t>Specification document (May 2024)</a:t>
+            </a:r>
+          </a:p>
+          <a:p>
+            <a:pPr lvl="1"/>
+            <a:r>
+              <a:rPr lang="en-US" dirty="0">
+                <a:latin typeface="Garamond" panose="02020404030301010803" pitchFamily="18" charset="0"/>
+              </a:rPr>
+              <a:t>UML diagrams and visual definitions (June-July 2024)</a:t>
+            </a:r>
+          </a:p>
+          <a:p>
+            <a:pPr lvl="1"/>
+            <a:r>
+              <a:rPr lang="en-US" dirty="0">
+                <a:latin typeface="Garamond" panose="02020404030301010803" pitchFamily="18" charset="0"/>
+              </a:rPr>
+              <a:t>Backend development (August-September 2024)</a:t>
+            </a:r>
+          </a:p>
+          <a:p>
+            <a:pPr lvl="1"/>
+            <a:r>
+              <a:rPr lang="en-US" dirty="0">
+                <a:latin typeface="Garamond" panose="02020404030301010803" pitchFamily="18" charset="0"/>
+              </a:rPr>
+              <a:t>Fronted development (September-December 2024)</a:t>
+            </a:r>
+          </a:p>
+          <a:p>
+            <a:pPr lvl="1"/>
+            <a:r>
+              <a:rPr lang="en-US" dirty="0">
+                <a:latin typeface="Garamond" panose="02020404030301010803" pitchFamily="18" charset="0"/>
+              </a:rPr>
+              <a:t>Finalization (February 2025)</a:t>
+            </a:r>
+            <a:endParaRPr lang="fr-FR" dirty="0">
+              <a:latin typeface="Garamond" panose="02020404030301010803" pitchFamily="18" charset="0"/>
+            </a:endParaRPr>
+          </a:p>
+        </p:txBody>
+      </p:sp>
+    </p:spTree>
+    <p:extLst>
+      <p:ext uri="{BB962C8B-B14F-4D97-AF65-F5344CB8AC3E}">
+        <p14:creationId xmlns:p14="http://schemas.microsoft.com/office/powerpoint/2010/main" val="139857989"/>
+      </p:ext>
+    </p:extLst>
+  </p:cSld>
+  <p:clrMapOvr>
+    <a:masterClrMapping/>
+  </p:clrMapOvr>
+</p:sld>
+</file>
+
+<file path=ppt/slides/slide18.xml><?xml version="1.0" encoding="utf-8"?>
+<p:sld xmlns:a="http://schemas.openxmlformats.org/drawingml/2006/main" xmlns:r="http://schemas.openxmlformats.org/officeDocument/2006/relationships" xmlns:p="http://schemas.openxmlformats.org/presentationml/2006/main">
+  <p:cSld>
+    <p:spTree>
+      <p:nvGrpSpPr>
+        <p:cNvPr id="1" name=""/>
+        <p:cNvGrpSpPr/>
+        <p:nvPr/>
+      </p:nvGrpSpPr>
+      <p:grpSpPr>
+        <a:xfrm>
+          <a:off x="0" y="0"/>
+          <a:ext cx="0" cy="0"/>
+          <a:chOff x="0" y="0"/>
+          <a:chExt cx="0" cy="0"/>
+        </a:xfrm>
+      </p:grpSpPr>
+      <p:sp>
+        <p:nvSpPr>
+          <p:cNvPr id="2" name="Title 1">
+            <a:extLst>
+              <a:ext uri="{FF2B5EF4-FFF2-40B4-BE49-F238E27FC236}">
+                <a16:creationId xmlns:a16="http://schemas.microsoft.com/office/drawing/2014/main" id="{19045542-6E4F-160A-B3C9-7E226A8C6E1D}"/>
+              </a:ext>
+            </a:extLst>
+          </p:cNvPr>
+          <p:cNvSpPr>
+            <a:spLocks noGrp="1"/>
+          </p:cNvSpPr>
+          <p:nvPr>
+            <p:ph type="title"/>
+          </p:nvPr>
+        </p:nvSpPr>
+        <p:spPr/>
+        <p:txBody>
+          <a:bodyPr/>
+          <a:lstStyle/>
+          <a:p>
+            <a:r>
+              <a:rPr lang="en-US" dirty="0">
+                <a:latin typeface="Garamond" panose="02020404030301010803" pitchFamily="18" charset="0"/>
+              </a:rPr>
+              <a:t>Legal &amp; Compliance</a:t>
+            </a:r>
+            <a:endParaRPr lang="fr-FR" dirty="0">
+              <a:latin typeface="Garamond" panose="02020404030301010803" pitchFamily="18" charset="0"/>
+            </a:endParaRPr>
+          </a:p>
+        </p:txBody>
+      </p:sp>
+      <p:sp>
+        <p:nvSpPr>
+          <p:cNvPr id="3" name="Content Placeholder 2">
+            <a:extLst>
+              <a:ext uri="{FF2B5EF4-FFF2-40B4-BE49-F238E27FC236}">
+                <a16:creationId xmlns:a16="http://schemas.microsoft.com/office/drawing/2014/main" id="{E39FBA9F-70BF-9222-A791-08F5C879EEF3}"/>
+              </a:ext>
+            </a:extLst>
+          </p:cNvPr>
+          <p:cNvSpPr>
+            <a:spLocks noGrp="1"/>
+          </p:cNvSpPr>
+          <p:nvPr>
+            <p:ph idx="1"/>
+          </p:nvPr>
+        </p:nvSpPr>
+        <p:spPr/>
+        <p:txBody>
+          <a:bodyPr/>
+          <a:lstStyle/>
+          <a:p>
+            <a:r>
+              <a:rPr lang="en-US" dirty="0">
+                <a:latin typeface="Garamond" panose="02020404030301010803" pitchFamily="18" charset="0"/>
+              </a:rPr>
+              <a:t>Intellectual property:</a:t>
+            </a:r>
+          </a:p>
+          <a:p>
+            <a:pPr lvl="1"/>
+            <a:r>
+              <a:rPr lang="en-US" dirty="0">
+                <a:latin typeface="Garamond" panose="02020404030301010803" pitchFamily="18" charset="0"/>
+              </a:rPr>
+              <a:t>Licensed under the MIT license</a:t>
+            </a:r>
+          </a:p>
+          <a:p>
+            <a:pPr lvl="1"/>
+            <a:r>
+              <a:rPr lang="en-US" dirty="0">
+                <a:latin typeface="Garamond" panose="02020404030301010803" pitchFamily="18" charset="0"/>
+              </a:rPr>
+              <a:t>Open-source</a:t>
+            </a:r>
+          </a:p>
+          <a:p>
+            <a:r>
+              <a:rPr lang="en-US" dirty="0">
+                <a:latin typeface="Garamond" panose="02020404030301010803" pitchFamily="18" charset="0"/>
+              </a:rPr>
+              <a:t>Compliance</a:t>
+            </a:r>
+            <a:r>
+              <a:rPr lang="fr-FR" dirty="0">
+                <a:latin typeface="Garamond" panose="02020404030301010803" pitchFamily="18" charset="0"/>
+              </a:rPr>
+              <a:t>:</a:t>
+            </a:r>
+          </a:p>
+          <a:p>
+            <a:pPr lvl="1"/>
+            <a:r>
+              <a:rPr lang="fr-FR" dirty="0">
+                <a:latin typeface="Garamond" panose="02020404030301010803" pitchFamily="18" charset="0"/>
+              </a:rPr>
+              <a:t>DGPR and </a:t>
+            </a:r>
+            <a:r>
+              <a:rPr lang="fr-FR" dirty="0" err="1">
+                <a:latin typeface="Garamond" panose="02020404030301010803" pitchFamily="18" charset="0"/>
+              </a:rPr>
+              <a:t>European</a:t>
+            </a:r>
+            <a:r>
+              <a:rPr lang="fr-FR" dirty="0">
+                <a:latin typeface="Garamond" panose="02020404030301010803" pitchFamily="18" charset="0"/>
+              </a:rPr>
+              <a:t> </a:t>
+            </a:r>
+            <a:r>
+              <a:rPr lang="fr-FR" dirty="0" err="1">
+                <a:latin typeface="Garamond" panose="02020404030301010803" pitchFamily="18" charset="0"/>
+              </a:rPr>
+              <a:t>laws</a:t>
+            </a:r>
+            <a:endParaRPr lang="fr-FR" dirty="0">
+              <a:latin typeface="Garamond" panose="02020404030301010803" pitchFamily="18" charset="0"/>
+            </a:endParaRPr>
+          </a:p>
+          <a:p>
+            <a:pPr lvl="1"/>
+            <a:r>
+              <a:rPr lang="fr-FR" dirty="0" err="1">
+                <a:latin typeface="Garamond" panose="02020404030301010803" pitchFamily="18" charset="0"/>
+              </a:rPr>
+              <a:t>Terms</a:t>
+            </a:r>
+            <a:r>
+              <a:rPr lang="fr-FR" dirty="0">
+                <a:latin typeface="Garamond" panose="02020404030301010803" pitchFamily="18" charset="0"/>
+              </a:rPr>
+              <a:t> and conditions</a:t>
+            </a:r>
+            <a:endParaRPr lang="en-US" dirty="0">
+              <a:latin typeface="Garamond" panose="02020404030301010803" pitchFamily="18" charset="0"/>
+            </a:endParaRPr>
+          </a:p>
+        </p:txBody>
+      </p:sp>
+    </p:spTree>
+    <p:extLst>
+      <p:ext uri="{BB962C8B-B14F-4D97-AF65-F5344CB8AC3E}">
+        <p14:creationId xmlns:p14="http://schemas.microsoft.com/office/powerpoint/2010/main" val="3305658643"/>
+      </p:ext>
+    </p:extLst>
+  </p:cSld>
+  <p:clrMapOvr>
+    <a:masterClrMapping/>
+  </p:clrMapOvr>
+</p:sld>
+</file>
+
+<file path=ppt/slides/slide19.xml><?xml version="1.0" encoding="utf-8"?>
+<p:sld xmlns:a="http://schemas.openxmlformats.org/drawingml/2006/main" xmlns:r="http://schemas.openxmlformats.org/officeDocument/2006/relationships" xmlns:p="http://schemas.openxmlformats.org/presentationml/2006/main">
+  <p:cSld>
+    <p:spTree>
+      <p:nvGrpSpPr>
+        <p:cNvPr id="1" name=""/>
+        <p:cNvGrpSpPr/>
+        <p:nvPr/>
+      </p:nvGrpSpPr>
+      <p:grpSpPr>
+        <a:xfrm>
+          <a:off x="0" y="0"/>
+          <a:ext cx="0" cy="0"/>
+          <a:chOff x="0" y="0"/>
+          <a:chExt cx="0" cy="0"/>
+        </a:xfrm>
+      </p:grpSpPr>
+      <p:sp>
+        <p:nvSpPr>
+          <p:cNvPr id="2" name="Title 1">
+            <a:extLst>
+              <a:ext uri="{FF2B5EF4-FFF2-40B4-BE49-F238E27FC236}">
+                <a16:creationId xmlns:a16="http://schemas.microsoft.com/office/drawing/2014/main" id="{76D83DCA-030B-5965-0D4C-A7DD098F692B}"/>
+              </a:ext>
+            </a:extLst>
+          </p:cNvPr>
+          <p:cNvSpPr>
+            <a:spLocks noGrp="1"/>
+          </p:cNvSpPr>
+          <p:nvPr>
+            <p:ph type="title"/>
+          </p:nvPr>
+        </p:nvSpPr>
+        <p:spPr/>
+        <p:txBody>
+          <a:bodyPr/>
+          <a:lstStyle/>
+          <a:p>
+            <a:r>
+              <a:rPr lang="en-US" dirty="0">
+                <a:latin typeface="Garamond" panose="02020404030301010803" pitchFamily="18" charset="0"/>
+              </a:rPr>
+              <a:t>Conclusion &amp; Approval</a:t>
+            </a:r>
+            <a:endParaRPr lang="fr-FR" dirty="0">
+              <a:latin typeface="Garamond" panose="02020404030301010803" pitchFamily="18" charset="0"/>
+            </a:endParaRPr>
+          </a:p>
+        </p:txBody>
+      </p:sp>
+      <p:sp>
+        <p:nvSpPr>
+          <p:cNvPr id="3" name="Content Placeholder 2">
+            <a:extLst>
+              <a:ext uri="{FF2B5EF4-FFF2-40B4-BE49-F238E27FC236}">
+                <a16:creationId xmlns:a16="http://schemas.microsoft.com/office/drawing/2014/main" id="{833D90FB-787E-FE5A-76A7-54045D11463B}"/>
+              </a:ext>
+            </a:extLst>
+          </p:cNvPr>
+          <p:cNvSpPr>
+            <a:spLocks noGrp="1"/>
+          </p:cNvSpPr>
+          <p:nvPr>
+            <p:ph idx="1"/>
+          </p:nvPr>
+        </p:nvSpPr>
+        <p:spPr/>
+        <p:txBody>
+          <a:bodyPr/>
+          <a:lstStyle/>
+          <a:p>
+            <a:r>
+              <a:rPr lang="en-US" dirty="0">
+                <a:latin typeface="Garamond" panose="02020404030301010803" pitchFamily="18" charset="0"/>
+              </a:rPr>
+              <a:t>Summary:</a:t>
+            </a:r>
+          </a:p>
+          <a:p>
+            <a:pPr lvl="1"/>
+            <a:r>
+              <a:rPr lang="en-US" dirty="0">
+                <a:latin typeface="Garamond" panose="02020404030301010803" pitchFamily="18" charset="0"/>
+              </a:rPr>
+              <a:t>Recap of key points</a:t>
+            </a:r>
+          </a:p>
+          <a:p>
+            <a:pPr lvl="1"/>
+            <a:r>
+              <a:rPr lang="en-US" dirty="0">
+                <a:latin typeface="Garamond" panose="02020404030301010803" pitchFamily="18" charset="0"/>
+              </a:rPr>
+              <a:t>Importance of the project</a:t>
+            </a:r>
+          </a:p>
+          <a:p>
+            <a:r>
+              <a:rPr lang="en-US" dirty="0">
+                <a:latin typeface="Garamond" panose="02020404030301010803" pitchFamily="18" charset="0"/>
+              </a:rPr>
+              <a:t>Additional considerations:</a:t>
+            </a:r>
+          </a:p>
+          <a:p>
+            <a:pPr lvl="1"/>
+            <a:r>
+              <a:rPr lang="en-US" dirty="0">
+                <a:latin typeface="Garamond" panose="02020404030301010803" pitchFamily="18" charset="0"/>
+              </a:rPr>
+              <a:t>Documentation</a:t>
+            </a:r>
+          </a:p>
+          <a:p>
+            <a:pPr lvl="1"/>
+            <a:r>
+              <a:rPr lang="en-US" dirty="0">
+                <a:latin typeface="Garamond" panose="02020404030301010803" pitchFamily="18" charset="0"/>
+              </a:rPr>
+              <a:t>Future improvements</a:t>
+            </a:r>
+            <a:endParaRPr lang="fr-FR" dirty="0">
+              <a:latin typeface="Garamond" panose="02020404030301010803" pitchFamily="18" charset="0"/>
+            </a:endParaRPr>
+          </a:p>
+        </p:txBody>
+      </p:sp>
+    </p:spTree>
+    <p:extLst>
+      <p:ext uri="{BB962C8B-B14F-4D97-AF65-F5344CB8AC3E}">
+        <p14:creationId xmlns:p14="http://schemas.microsoft.com/office/powerpoint/2010/main" val="1307890701"/>
       </p:ext>
     </p:extLst>
   </p:cSld>
@@ -4295,10 +5093,14 @@
           <a:lstStyle/>
           <a:p>
             <a:r>
-              <a:rPr lang="en-US" dirty="0"/>
+              <a:rPr lang="en-US" dirty="0">
+                <a:latin typeface="Garamond" panose="02020404030301010803" pitchFamily="18" charset="0"/>
+              </a:rPr>
               <a:t>Introduction</a:t>
             </a:r>
-            <a:endParaRPr lang="fr-FR" dirty="0"/>
+            <a:endParaRPr lang="fr-FR" dirty="0">
+              <a:latin typeface="Garamond" panose="02020404030301010803" pitchFamily="18" charset="0"/>
+            </a:endParaRPr>
           </a:p>
         </p:txBody>
       </p:sp>
@@ -4327,25 +5129,33 @@
               <a:buNone/>
             </a:pPr>
             <a:r>
-              <a:rPr lang="en-US" dirty="0"/>
+              <a:rPr lang="en-US" dirty="0">
+                <a:latin typeface="Garamond" panose="02020404030301010803" pitchFamily="18" charset="0"/>
+              </a:rPr>
               <a:t>Self introduction:</a:t>
             </a:r>
           </a:p>
           <a:p>
             <a:r>
-              <a:rPr lang="en-US" dirty="0"/>
+              <a:rPr lang="en-US" dirty="0">
+                <a:latin typeface="Garamond" panose="02020404030301010803" pitchFamily="18" charset="0"/>
+              </a:rPr>
               <a:t>Name</a:t>
             </a:r>
           </a:p>
           <a:p>
             <a:r>
-              <a:rPr lang="en-US" dirty="0"/>
+              <a:rPr lang="en-US" dirty="0">
+                <a:latin typeface="Garamond" panose="02020404030301010803" pitchFamily="18" charset="0"/>
+              </a:rPr>
               <a:t>Background</a:t>
             </a:r>
           </a:p>
           <a:p>
             <a:r>
-              <a:rPr lang="en-US" dirty="0"/>
+              <a:rPr lang="en-US" dirty="0">
+                <a:latin typeface="Garamond" panose="02020404030301010803" pitchFamily="18" charset="0"/>
+              </a:rPr>
               <a:t>Role in the project</a:t>
             </a:r>
           </a:p>
@@ -4355,6 +5165,198 @@
     <p:extLst>
       <p:ext uri="{BB962C8B-B14F-4D97-AF65-F5344CB8AC3E}">
         <p14:creationId xmlns:p14="http://schemas.microsoft.com/office/powerpoint/2010/main" val="2672186496"/>
+      </p:ext>
+    </p:extLst>
+  </p:cSld>
+  <p:clrMapOvr>
+    <a:masterClrMapping/>
+  </p:clrMapOvr>
+</p:sld>
+</file>
+
+<file path=ppt/slides/slide20.xml><?xml version="1.0" encoding="utf-8"?>
+<p:sld xmlns:a="http://schemas.openxmlformats.org/drawingml/2006/main" xmlns:r="http://schemas.openxmlformats.org/officeDocument/2006/relationships" xmlns:p="http://schemas.openxmlformats.org/presentationml/2006/main">
+  <p:cSld>
+    <p:spTree>
+      <p:nvGrpSpPr>
+        <p:cNvPr id="1" name=""/>
+        <p:cNvGrpSpPr/>
+        <p:nvPr/>
+      </p:nvGrpSpPr>
+      <p:grpSpPr>
+        <a:xfrm>
+          <a:off x="0" y="0"/>
+          <a:ext cx="0" cy="0"/>
+          <a:chOff x="0" y="0"/>
+          <a:chExt cx="0" cy="0"/>
+        </a:xfrm>
+      </p:grpSpPr>
+      <p:sp>
+        <p:nvSpPr>
+          <p:cNvPr id="2" name="Title 1">
+            <a:extLst>
+              <a:ext uri="{FF2B5EF4-FFF2-40B4-BE49-F238E27FC236}">
+                <a16:creationId xmlns:a16="http://schemas.microsoft.com/office/drawing/2014/main" id="{FCFC416D-8E80-EF1C-3DEE-9F935CC9BC27}"/>
+              </a:ext>
+            </a:extLst>
+          </p:cNvPr>
+          <p:cNvSpPr>
+            <a:spLocks noGrp="1"/>
+          </p:cNvSpPr>
+          <p:nvPr>
+            <p:ph type="title"/>
+          </p:nvPr>
+        </p:nvSpPr>
+        <p:spPr/>
+        <p:txBody>
+          <a:bodyPr/>
+          <a:lstStyle/>
+          <a:p>
+            <a:r>
+              <a:rPr lang="en-US" dirty="0">
+                <a:latin typeface="Garamond" panose="02020404030301010803" pitchFamily="18" charset="0"/>
+              </a:rPr>
+              <a:t>Q&amp;A</a:t>
+            </a:r>
+            <a:endParaRPr lang="fr-FR" dirty="0">
+              <a:latin typeface="Garamond" panose="02020404030301010803" pitchFamily="18" charset="0"/>
+            </a:endParaRPr>
+          </a:p>
+        </p:txBody>
+      </p:sp>
+      <p:sp>
+        <p:nvSpPr>
+          <p:cNvPr id="3" name="Content Placeholder 2">
+            <a:extLst>
+              <a:ext uri="{FF2B5EF4-FFF2-40B4-BE49-F238E27FC236}">
+                <a16:creationId xmlns:a16="http://schemas.microsoft.com/office/drawing/2014/main" id="{C6668F33-3577-95A5-3A86-8F52766444B2}"/>
+              </a:ext>
+            </a:extLst>
+          </p:cNvPr>
+          <p:cNvSpPr>
+            <a:spLocks noGrp="1"/>
+          </p:cNvSpPr>
+          <p:nvPr>
+            <p:ph idx="1"/>
+          </p:nvPr>
+        </p:nvSpPr>
+        <p:spPr/>
+        <p:txBody>
+          <a:bodyPr/>
+          <a:lstStyle/>
+          <a:p>
+            <a:r>
+              <a:rPr lang="en-US" dirty="0">
+                <a:latin typeface="Garamond" panose="02020404030301010803" pitchFamily="18" charset="0"/>
+              </a:rPr>
+              <a:t>Follow-up questions</a:t>
+            </a:r>
+          </a:p>
+          <a:p>
+            <a:r>
+              <a:rPr lang="en-US" dirty="0">
+                <a:latin typeface="Garamond" panose="02020404030301010803" pitchFamily="18" charset="0"/>
+              </a:rPr>
+              <a:t>General questions</a:t>
+            </a:r>
+            <a:endParaRPr lang="fr-FR" dirty="0">
+              <a:latin typeface="Garamond" panose="02020404030301010803" pitchFamily="18" charset="0"/>
+            </a:endParaRPr>
+          </a:p>
+        </p:txBody>
+      </p:sp>
+    </p:spTree>
+    <p:extLst>
+      <p:ext uri="{BB962C8B-B14F-4D97-AF65-F5344CB8AC3E}">
+        <p14:creationId xmlns:p14="http://schemas.microsoft.com/office/powerpoint/2010/main" val="3677186999"/>
+      </p:ext>
+    </p:extLst>
+  </p:cSld>
+  <p:clrMapOvr>
+    <a:masterClrMapping/>
+  </p:clrMapOvr>
+</p:sld>
+</file>
+
+<file path=ppt/slides/slide21.xml><?xml version="1.0" encoding="utf-8"?>
+<p:sld xmlns:a="http://schemas.openxmlformats.org/drawingml/2006/main" xmlns:r="http://schemas.openxmlformats.org/officeDocument/2006/relationships" xmlns:p="http://schemas.openxmlformats.org/presentationml/2006/main">
+  <p:cSld>
+    <p:spTree>
+      <p:nvGrpSpPr>
+        <p:cNvPr id="1" name=""/>
+        <p:cNvGrpSpPr/>
+        <p:nvPr/>
+      </p:nvGrpSpPr>
+      <p:grpSpPr>
+        <a:xfrm>
+          <a:off x="0" y="0"/>
+          <a:ext cx="0" cy="0"/>
+          <a:chOff x="0" y="0"/>
+          <a:chExt cx="0" cy="0"/>
+        </a:xfrm>
+      </p:grpSpPr>
+      <p:sp>
+        <p:nvSpPr>
+          <p:cNvPr id="2" name="Title 1">
+            <a:extLst>
+              <a:ext uri="{FF2B5EF4-FFF2-40B4-BE49-F238E27FC236}">
+                <a16:creationId xmlns:a16="http://schemas.microsoft.com/office/drawing/2014/main" id="{A15C22B5-6BC7-902A-414D-4F5A5CDB6AD3}"/>
+              </a:ext>
+            </a:extLst>
+          </p:cNvPr>
+          <p:cNvSpPr>
+            <a:spLocks noGrp="1"/>
+          </p:cNvSpPr>
+          <p:nvPr>
+            <p:ph type="title"/>
+          </p:nvPr>
+        </p:nvSpPr>
+        <p:spPr/>
+        <p:txBody>
+          <a:bodyPr/>
+          <a:lstStyle/>
+          <a:p>
+            <a:r>
+              <a:rPr lang="en-US" dirty="0">
+                <a:latin typeface="Garamond" panose="02020404030301010803" pitchFamily="18" charset="0"/>
+              </a:rPr>
+              <a:t>Thank you for your time</a:t>
+            </a:r>
+            <a:endParaRPr lang="fr-FR" dirty="0">
+              <a:latin typeface="Garamond" panose="02020404030301010803" pitchFamily="18" charset="0"/>
+            </a:endParaRPr>
+          </a:p>
+        </p:txBody>
+      </p:sp>
+      <p:sp>
+        <p:nvSpPr>
+          <p:cNvPr id="3" name="Content Placeholder 2">
+            <a:extLst>
+              <a:ext uri="{FF2B5EF4-FFF2-40B4-BE49-F238E27FC236}">
+                <a16:creationId xmlns:a16="http://schemas.microsoft.com/office/drawing/2014/main" id="{5ACFA51B-F3D2-9C9C-C84E-4A84AB72928A}"/>
+              </a:ext>
+            </a:extLst>
+          </p:cNvPr>
+          <p:cNvSpPr>
+            <a:spLocks noGrp="1"/>
+          </p:cNvSpPr>
+          <p:nvPr>
+            <p:ph idx="1"/>
+          </p:nvPr>
+        </p:nvSpPr>
+        <p:spPr/>
+        <p:txBody>
+          <a:bodyPr/>
+          <a:lstStyle/>
+          <a:p>
+            <a:endParaRPr lang="fr-FR"/>
+          </a:p>
+        </p:txBody>
+      </p:sp>
+    </p:spTree>
+    <p:extLst>
+      <p:ext uri="{BB962C8B-B14F-4D97-AF65-F5344CB8AC3E}">
+        <p14:creationId xmlns:p14="http://schemas.microsoft.com/office/powerpoint/2010/main" val="1466558533"/>
       </p:ext>
     </p:extLst>
   </p:cSld>
@@ -4408,10 +5410,14 @@
           <a:lstStyle/>
           <a:p>
             <a:r>
-              <a:rPr lang="en-US" dirty="0"/>
+              <a:rPr lang="en-US" dirty="0">
+                <a:latin typeface="Garamond" panose="02020404030301010803" pitchFamily="18" charset="0"/>
+              </a:rPr>
               <a:t>Project Overview</a:t>
             </a:r>
-            <a:endParaRPr lang="fr-FR" dirty="0"/>
+            <a:endParaRPr lang="fr-FR" dirty="0">
+              <a:latin typeface="Garamond" panose="02020404030301010803" pitchFamily="18" charset="0"/>
+            </a:endParaRPr>
           </a:p>
         </p:txBody>
       </p:sp>
@@ -4442,63 +5448,83 @@
           <a:lstStyle/>
           <a:p>
             <a:r>
-              <a:rPr lang="en-US" dirty="0"/>
+              <a:rPr lang="en-US" dirty="0">
+                <a:latin typeface="Garamond" panose="02020404030301010803" pitchFamily="18" charset="0"/>
+              </a:rPr>
               <a:t>What is </a:t>
             </a:r>
             <a:r>
-              <a:rPr lang="en-US" dirty="0" err="1"/>
+              <a:rPr lang="en-US" dirty="0" err="1">
+                <a:latin typeface="Garamond" panose="02020404030301010803" pitchFamily="18" charset="0"/>
+              </a:rPr>
               <a:t>photoStockage</a:t>
             </a:r>
             <a:r>
-              <a:rPr lang="en-US" dirty="0"/>
+              <a:rPr lang="en-US" dirty="0">
+                <a:latin typeface="Garamond" panose="02020404030301010803" pitchFamily="18" charset="0"/>
+              </a:rPr>
               <a:t>:</a:t>
             </a:r>
           </a:p>
           <a:p>
             <a:pPr lvl="1"/>
             <a:r>
-              <a:rPr lang="en-US" dirty="0"/>
+              <a:rPr lang="en-US" dirty="0">
+                <a:latin typeface="Garamond" panose="02020404030301010803" pitchFamily="18" charset="0"/>
+              </a:rPr>
               <a:t>A platform for free photo sharing</a:t>
             </a:r>
           </a:p>
           <a:p>
             <a:pPr lvl="1"/>
             <a:r>
-              <a:rPr lang="en-US" dirty="0"/>
+              <a:rPr lang="en-US" dirty="0">
+                <a:latin typeface="Garamond" panose="02020404030301010803" pitchFamily="18" charset="0"/>
+              </a:rPr>
               <a:t>Encourages community engagement</a:t>
             </a:r>
           </a:p>
           <a:p>
             <a:r>
-              <a:rPr lang="en-US" dirty="0"/>
+              <a:rPr lang="en-US" dirty="0">
+                <a:latin typeface="Garamond" panose="02020404030301010803" pitchFamily="18" charset="0"/>
+              </a:rPr>
               <a:t>Core functionalities:</a:t>
             </a:r>
           </a:p>
           <a:p>
             <a:pPr lvl="1"/>
             <a:r>
-              <a:rPr lang="en-US" dirty="0"/>
+              <a:rPr lang="en-US" dirty="0">
+                <a:latin typeface="Garamond" panose="02020404030301010803" pitchFamily="18" charset="0"/>
+              </a:rPr>
               <a:t>User registration</a:t>
             </a:r>
           </a:p>
           <a:p>
             <a:pPr lvl="1"/>
             <a:r>
-              <a:rPr lang="en-US" dirty="0"/>
+              <a:rPr lang="en-US" dirty="0">
+                <a:latin typeface="Garamond" panose="02020404030301010803" pitchFamily="18" charset="0"/>
+              </a:rPr>
               <a:t>Photo sharing (upload / download)</a:t>
             </a:r>
           </a:p>
           <a:p>
             <a:pPr lvl="1"/>
             <a:r>
-              <a:rPr lang="en-US" dirty="0"/>
+              <a:rPr lang="en-US" dirty="0">
+                <a:latin typeface="Garamond" panose="02020404030301010803" pitchFamily="18" charset="0"/>
+              </a:rPr>
               <a:t>Liking and saving photos</a:t>
             </a:r>
           </a:p>
           <a:p>
             <a:pPr lvl="1"/>
             <a:r>
-              <a:rPr lang="en-US" dirty="0"/>
+              <a:rPr lang="en-US" dirty="0">
+                <a:latin typeface="Garamond" panose="02020404030301010803" pitchFamily="18" charset="0"/>
+              </a:rPr>
               <a:t>Searching and filtering</a:t>
             </a:r>
           </a:p>
@@ -4697,49 +5723,63 @@
           </a:lstStyle>
           <a:p>
             <a:r>
-              <a:rPr lang="en-US" dirty="0"/>
+              <a:rPr lang="en-US" dirty="0">
+                <a:latin typeface="Garamond" panose="02020404030301010803" pitchFamily="18" charset="0"/>
+              </a:rPr>
               <a:t>Target audience:</a:t>
             </a:r>
           </a:p>
           <a:p>
             <a:pPr lvl="1"/>
             <a:r>
-              <a:rPr lang="en-US" dirty="0"/>
+              <a:rPr lang="en-US" dirty="0">
+                <a:latin typeface="Garamond" panose="02020404030301010803" pitchFamily="18" charset="0"/>
+              </a:rPr>
               <a:t>Photographers</a:t>
             </a:r>
           </a:p>
           <a:p>
             <a:pPr lvl="1"/>
             <a:r>
-              <a:rPr lang="en-US" dirty="0"/>
+              <a:rPr lang="en-US" dirty="0">
+                <a:latin typeface="Garamond" panose="02020404030301010803" pitchFamily="18" charset="0"/>
+              </a:rPr>
               <a:t>Content creators</a:t>
             </a:r>
           </a:p>
           <a:p>
             <a:pPr lvl="1"/>
             <a:r>
-              <a:rPr lang="en-US" dirty="0"/>
+              <a:rPr lang="en-US" dirty="0">
+                <a:latin typeface="Garamond" panose="02020404030301010803" pitchFamily="18" charset="0"/>
+              </a:rPr>
               <a:t>Graphic designers</a:t>
             </a:r>
           </a:p>
           <a:p>
             <a:pPr lvl="1"/>
             <a:r>
-              <a:rPr lang="en-US" dirty="0"/>
+              <a:rPr lang="en-US" dirty="0">
+                <a:latin typeface="Garamond" panose="02020404030301010803" pitchFamily="18" charset="0"/>
+              </a:rPr>
               <a:t>Web developers</a:t>
             </a:r>
           </a:p>
           <a:p>
             <a:pPr lvl="1"/>
             <a:r>
-              <a:rPr lang="en-US" dirty="0"/>
+              <a:rPr lang="en-US" dirty="0">
+                <a:latin typeface="Garamond" panose="02020404030301010803" pitchFamily="18" charset="0"/>
+              </a:rPr>
               <a:t>Marketing professionals</a:t>
             </a:r>
           </a:p>
           <a:p>
             <a:pPr lvl="1"/>
             <a:r>
-              <a:rPr lang="en-US" dirty="0"/>
+              <a:rPr lang="en-US" dirty="0">
+                <a:latin typeface="Garamond" panose="02020404030301010803" pitchFamily="18" charset="0"/>
+              </a:rPr>
               <a:t>Students and educators</a:t>
             </a:r>
           </a:p>
@@ -4797,10 +5837,14 @@
           <a:lstStyle/>
           <a:p>
             <a:r>
-              <a:rPr lang="en-US" dirty="0"/>
+              <a:rPr lang="en-US" dirty="0">
+                <a:latin typeface="Garamond" panose="02020404030301010803" pitchFamily="18" charset="0"/>
+              </a:rPr>
               <a:t>Technical Specifications</a:t>
             </a:r>
-            <a:endParaRPr lang="fr-FR" dirty="0"/>
+            <a:endParaRPr lang="fr-FR" dirty="0">
+              <a:latin typeface="Garamond" panose="02020404030301010803" pitchFamily="18" charset="0"/>
+            </a:endParaRPr>
           </a:p>
         </p:txBody>
       </p:sp>
@@ -4826,71 +5870,99 @@
           <a:lstStyle/>
           <a:p>
             <a:r>
-              <a:rPr lang="en-US" dirty="0"/>
+              <a:rPr lang="en-US" dirty="0">
+                <a:latin typeface="Garamond" panose="02020404030301010803" pitchFamily="18" charset="0"/>
+              </a:rPr>
               <a:t>Platform:</a:t>
             </a:r>
           </a:p>
           <a:p>
             <a:pPr lvl="1"/>
             <a:r>
-              <a:rPr lang="en-US" dirty="0"/>
+              <a:rPr lang="en-US" dirty="0">
+                <a:latin typeface="Garamond" panose="02020404030301010803" pitchFamily="18" charset="0"/>
+              </a:rPr>
               <a:t>Platform-agnostic</a:t>
             </a:r>
           </a:p>
           <a:p>
             <a:pPr lvl="1"/>
             <a:r>
-              <a:rPr lang="en-US" dirty="0"/>
+              <a:rPr lang="en-US" dirty="0">
+                <a:latin typeface="Garamond" panose="02020404030301010803" pitchFamily="18" charset="0"/>
+              </a:rPr>
               <a:t>Responsive design</a:t>
             </a:r>
-            <a:endParaRPr lang="fr-FR" dirty="0"/>
-          </a:p>
-          <a:p>
-            <a:endParaRPr lang="fr-FR" dirty="0"/>
-          </a:p>
-          <a:p>
-            <a:r>
-              <a:rPr lang="fr-FR" dirty="0" err="1"/>
+            <a:endParaRPr lang="fr-FR" dirty="0">
+              <a:latin typeface="Garamond" panose="02020404030301010803" pitchFamily="18" charset="0"/>
+            </a:endParaRPr>
+          </a:p>
+          <a:p>
+            <a:endParaRPr lang="fr-FR" dirty="0">
+              <a:latin typeface="Garamond" panose="02020404030301010803" pitchFamily="18" charset="0"/>
+            </a:endParaRPr>
+          </a:p>
+          <a:p>
+            <a:r>
+              <a:rPr lang="fr-FR" dirty="0" err="1">
+                <a:latin typeface="Garamond" panose="02020404030301010803" pitchFamily="18" charset="0"/>
+              </a:rPr>
               <a:t>Technology</a:t>
             </a:r>
             <a:r>
-              <a:rPr lang="fr-FR" dirty="0"/>
+              <a:rPr lang="fr-FR" dirty="0">
+                <a:latin typeface="Garamond" panose="02020404030301010803" pitchFamily="18" charset="0"/>
+              </a:rPr>
               <a:t> stack:</a:t>
             </a:r>
           </a:p>
           <a:p>
             <a:pPr lvl="1"/>
             <a:r>
-              <a:rPr lang="fr-FR" dirty="0"/>
+              <a:rPr lang="fr-FR" dirty="0">
+                <a:latin typeface="Garamond" panose="02020404030301010803" pitchFamily="18" charset="0"/>
+              </a:rPr>
               <a:t>Frontend: Next.js</a:t>
             </a:r>
           </a:p>
           <a:p>
             <a:pPr lvl="1"/>
             <a:r>
-              <a:rPr lang="fr-FR" dirty="0"/>
+              <a:rPr lang="fr-FR" dirty="0">
+                <a:latin typeface="Garamond" panose="02020404030301010803" pitchFamily="18" charset="0"/>
+              </a:rPr>
               <a:t>Backend: Node.js </a:t>
             </a:r>
             <a:r>
-              <a:rPr lang="fr-FR" dirty="0" err="1"/>
+              <a:rPr lang="fr-FR" dirty="0" err="1">
+                <a:latin typeface="Garamond" panose="02020404030301010803" pitchFamily="18" charset="0"/>
+              </a:rPr>
               <a:t>with</a:t>
             </a:r>
             <a:r>
-              <a:rPr lang="fr-FR" dirty="0"/>
+              <a:rPr lang="fr-FR" dirty="0">
+                <a:latin typeface="Garamond" panose="02020404030301010803" pitchFamily="18" charset="0"/>
+              </a:rPr>
               <a:t> Express.js</a:t>
             </a:r>
           </a:p>
           <a:p>
             <a:pPr lvl="1"/>
             <a:r>
-              <a:rPr lang="fr-FR" dirty="0" err="1"/>
+              <a:rPr lang="fr-FR" dirty="0" err="1">
+                <a:latin typeface="Garamond" panose="02020404030301010803" pitchFamily="18" charset="0"/>
+              </a:rPr>
               <a:t>Database</a:t>
             </a:r>
             <a:r>
-              <a:rPr lang="fr-FR" dirty="0"/>
+              <a:rPr lang="fr-FR" dirty="0">
+                <a:latin typeface="Garamond" panose="02020404030301010803" pitchFamily="18" charset="0"/>
+              </a:rPr>
               <a:t>: PostgreSQL</a:t>
             </a:r>
-            <a:endParaRPr lang="en-US" dirty="0"/>
+            <a:endParaRPr lang="en-US" dirty="0">
+              <a:latin typeface="Garamond" panose="02020404030301010803" pitchFamily="18" charset="0"/>
+            </a:endParaRPr>
           </a:p>
         </p:txBody>
       </p:sp>
@@ -4946,10 +6018,14 @@
           <a:lstStyle/>
           <a:p>
             <a:r>
-              <a:rPr lang="en-US" dirty="0"/>
+              <a:rPr lang="en-US" dirty="0">
+                <a:latin typeface="Garamond" panose="02020404030301010803" pitchFamily="18" charset="0"/>
+              </a:rPr>
               <a:t>Backend Architecture</a:t>
             </a:r>
-            <a:endParaRPr lang="fr-FR" dirty="0"/>
+            <a:endParaRPr lang="fr-FR" dirty="0">
+              <a:latin typeface="Garamond" panose="02020404030301010803" pitchFamily="18" charset="0"/>
+            </a:endParaRPr>
           </a:p>
         </p:txBody>
       </p:sp>
@@ -4975,124 +6051,180 @@
           <a:lstStyle/>
           <a:p>
             <a:r>
-              <a:rPr lang="en-US" dirty="0"/>
+              <a:rPr lang="en-US" dirty="0">
+                <a:latin typeface="Garamond" panose="02020404030301010803" pitchFamily="18" charset="0"/>
+              </a:rPr>
               <a:t>MVC-like architecture:</a:t>
             </a:r>
           </a:p>
           <a:p>
             <a:pPr lvl="1"/>
             <a:r>
-              <a:rPr lang="fr-FR" dirty="0" err="1"/>
+              <a:rPr lang="fr-FR" dirty="0" err="1">
+                <a:latin typeface="Garamond" panose="02020404030301010803" pitchFamily="18" charset="0"/>
+              </a:rPr>
               <a:t>Models</a:t>
             </a:r>
-            <a:endParaRPr lang="fr-FR" dirty="0"/>
-          </a:p>
-          <a:p>
-            <a:pPr lvl="1"/>
-            <a:r>
-              <a:rPr lang="fr-FR" dirty="0" err="1"/>
+            <a:endParaRPr lang="fr-FR" dirty="0">
+              <a:latin typeface="Garamond" panose="02020404030301010803" pitchFamily="18" charset="0"/>
+            </a:endParaRPr>
+          </a:p>
+          <a:p>
+            <a:pPr lvl="1"/>
+            <a:r>
+              <a:rPr lang="fr-FR" dirty="0" err="1">
+                <a:latin typeface="Garamond" panose="02020404030301010803" pitchFamily="18" charset="0"/>
+              </a:rPr>
               <a:t>Controllers</a:t>
             </a:r>
-            <a:endParaRPr lang="fr-FR" dirty="0"/>
-          </a:p>
-          <a:p>
-            <a:pPr lvl="1"/>
-            <a:r>
-              <a:rPr lang="fr-FR" dirty="0"/>
+            <a:endParaRPr lang="fr-FR" dirty="0">
+              <a:latin typeface="Garamond" panose="02020404030301010803" pitchFamily="18" charset="0"/>
+            </a:endParaRPr>
+          </a:p>
+          <a:p>
+            <a:pPr lvl="1"/>
+            <a:r>
+              <a:rPr lang="fr-FR" dirty="0">
+                <a:latin typeface="Garamond" panose="02020404030301010803" pitchFamily="18" charset="0"/>
+              </a:rPr>
               <a:t>Routes</a:t>
             </a:r>
           </a:p>
           <a:p>
             <a:pPr lvl="1"/>
             <a:r>
-              <a:rPr lang="fr-FR" dirty="0"/>
+              <a:rPr lang="fr-FR" dirty="0">
+                <a:latin typeface="Garamond" panose="02020404030301010803" pitchFamily="18" charset="0"/>
+              </a:rPr>
               <a:t>API </a:t>
             </a:r>
             <a:r>
-              <a:rPr lang="fr-FR" dirty="0" err="1"/>
+              <a:rPr lang="fr-FR" dirty="0" err="1">
+                <a:latin typeface="Garamond" panose="02020404030301010803" pitchFamily="18" charset="0"/>
+              </a:rPr>
               <a:t>endpoints</a:t>
             </a:r>
-            <a:endParaRPr lang="fr-FR" dirty="0"/>
-          </a:p>
-          <a:p>
-            <a:endParaRPr lang="fr-FR" dirty="0"/>
-          </a:p>
-          <a:p>
-            <a:r>
-              <a:rPr lang="fr-FR" dirty="0"/>
+            <a:endParaRPr lang="fr-FR" dirty="0">
+              <a:latin typeface="Garamond" panose="02020404030301010803" pitchFamily="18" charset="0"/>
+            </a:endParaRPr>
+          </a:p>
+          <a:p>
+            <a:endParaRPr lang="fr-FR" dirty="0">
+              <a:latin typeface="Garamond" panose="02020404030301010803" pitchFamily="18" charset="0"/>
+            </a:endParaRPr>
+          </a:p>
+          <a:p>
+            <a:r>
+              <a:rPr lang="fr-FR" dirty="0">
+                <a:latin typeface="Garamond" panose="02020404030301010803" pitchFamily="18" charset="0"/>
+              </a:rPr>
               <a:t>Security </a:t>
             </a:r>
             <a:r>
-              <a:rPr lang="fr-FR" dirty="0" err="1"/>
+              <a:rPr lang="fr-FR" dirty="0" err="1">
+                <a:latin typeface="Garamond" panose="02020404030301010803" pitchFamily="18" charset="0"/>
+              </a:rPr>
               <a:t>measures</a:t>
             </a:r>
             <a:r>
-              <a:rPr lang="fr-FR" dirty="0"/>
+              <a:rPr lang="fr-FR" dirty="0">
+                <a:latin typeface="Garamond" panose="02020404030301010803" pitchFamily="18" charset="0"/>
+              </a:rPr>
               <a:t>:</a:t>
             </a:r>
           </a:p>
           <a:p>
             <a:pPr lvl="1"/>
             <a:r>
-              <a:rPr lang="fr-FR" dirty="0" err="1"/>
+              <a:rPr lang="fr-FR" dirty="0" err="1">
+                <a:latin typeface="Garamond" panose="02020404030301010803" pitchFamily="18" charset="0"/>
+              </a:rPr>
               <a:t>Authentication</a:t>
             </a:r>
             <a:r>
-              <a:rPr lang="fr-FR" dirty="0"/>
+              <a:rPr lang="fr-FR" dirty="0">
+                <a:latin typeface="Garamond" panose="02020404030301010803" pitchFamily="18" charset="0"/>
+              </a:rPr>
               <a:t> and </a:t>
             </a:r>
             <a:r>
-              <a:rPr lang="fr-FR" dirty="0" err="1"/>
+              <a:rPr lang="fr-FR" dirty="0" err="1">
+                <a:latin typeface="Garamond" panose="02020404030301010803" pitchFamily="18" charset="0"/>
+              </a:rPr>
               <a:t>authorization</a:t>
             </a:r>
             <a:r>
-              <a:rPr lang="fr-FR" dirty="0"/>
+              <a:rPr lang="fr-FR" dirty="0">
+                <a:latin typeface="Garamond" panose="02020404030301010803" pitchFamily="18" charset="0"/>
+              </a:rPr>
               <a:t> (</a:t>
             </a:r>
             <a:r>
-              <a:rPr lang="fr-FR" dirty="0" err="1"/>
+              <a:rPr lang="fr-FR" dirty="0" err="1">
+                <a:latin typeface="Garamond" panose="02020404030301010803" pitchFamily="18" charset="0"/>
+              </a:rPr>
               <a:t>with</a:t>
             </a:r>
             <a:r>
-              <a:rPr lang="fr-FR" dirty="0"/>
+              <a:rPr lang="fr-FR" dirty="0">
+                <a:latin typeface="Garamond" panose="02020404030301010803" pitchFamily="18" charset="0"/>
+              </a:rPr>
               <a:t> </a:t>
             </a:r>
             <a:r>
-              <a:rPr lang="fr-FR" dirty="0" err="1"/>
+              <a:rPr lang="fr-FR" dirty="0" err="1">
+                <a:latin typeface="Garamond" panose="02020404030301010803" pitchFamily="18" charset="0"/>
+              </a:rPr>
               <a:t>jwt</a:t>
             </a:r>
             <a:r>
-              <a:rPr lang="fr-FR" dirty="0"/>
+              <a:rPr lang="fr-FR" dirty="0">
+                <a:latin typeface="Garamond" panose="02020404030301010803" pitchFamily="18" charset="0"/>
+              </a:rPr>
               <a:t> management)</a:t>
             </a:r>
           </a:p>
           <a:p>
             <a:pPr lvl="1"/>
             <a:r>
-              <a:rPr lang="fr-FR" dirty="0"/>
+              <a:rPr lang="fr-FR" dirty="0">
+                <a:latin typeface="Garamond" panose="02020404030301010803" pitchFamily="18" charset="0"/>
+              </a:rPr>
               <a:t>Input </a:t>
             </a:r>
             <a:r>
-              <a:rPr lang="fr-FR" dirty="0" err="1"/>
+              <a:rPr lang="fr-FR" dirty="0" err="1">
+                <a:latin typeface="Garamond" panose="02020404030301010803" pitchFamily="18" charset="0"/>
+              </a:rPr>
               <a:t>sanitization</a:t>
             </a:r>
-            <a:endParaRPr lang="fr-FR" dirty="0"/>
-          </a:p>
-          <a:p>
-            <a:pPr lvl="1"/>
-            <a:r>
-              <a:rPr lang="fr-FR" dirty="0"/>
+            <a:endParaRPr lang="fr-FR" dirty="0">
+              <a:latin typeface="Garamond" panose="02020404030301010803" pitchFamily="18" charset="0"/>
+            </a:endParaRPr>
+          </a:p>
+          <a:p>
+            <a:pPr lvl="1"/>
+            <a:r>
+              <a:rPr lang="fr-FR" dirty="0">
+                <a:latin typeface="Garamond" panose="02020404030301010803" pitchFamily="18" charset="0"/>
+              </a:rPr>
               <a:t>Rate </a:t>
             </a:r>
             <a:r>
-              <a:rPr lang="fr-FR" dirty="0" err="1"/>
+              <a:rPr lang="fr-FR" dirty="0" err="1">
+                <a:latin typeface="Garamond" panose="02020404030301010803" pitchFamily="18" charset="0"/>
+              </a:rPr>
               <a:t>limiting</a:t>
             </a:r>
-            <a:endParaRPr lang="fr-FR" dirty="0"/>
-          </a:p>
-          <a:p>
-            <a:pPr lvl="1"/>
-            <a:endParaRPr lang="fr-FR" dirty="0"/>
+            <a:endParaRPr lang="fr-FR" dirty="0">
+              <a:latin typeface="Garamond" panose="02020404030301010803" pitchFamily="18" charset="0"/>
+            </a:endParaRPr>
+          </a:p>
+          <a:p>
+            <a:pPr lvl="1"/>
+            <a:endParaRPr lang="fr-FR" dirty="0">
+              <a:latin typeface="Garamond" panose="02020404030301010803" pitchFamily="18" charset="0"/>
+            </a:endParaRPr>
           </a:p>
         </p:txBody>
       </p:sp>
@@ -5148,10 +6280,14 @@
           <a:lstStyle/>
           <a:p>
             <a:r>
-              <a:rPr lang="en-US" dirty="0"/>
+              <a:rPr lang="en-US" dirty="0">
+                <a:latin typeface="Garamond" panose="02020404030301010803" pitchFamily="18" charset="0"/>
+              </a:rPr>
               <a:t>Backend Code Examples</a:t>
             </a:r>
-            <a:endParaRPr lang="fr-FR" dirty="0"/>
+            <a:endParaRPr lang="fr-FR" dirty="0">
+              <a:latin typeface="Garamond" panose="02020404030301010803" pitchFamily="18" charset="0"/>
+            </a:endParaRPr>
           </a:p>
         </p:txBody>
       </p:sp>
@@ -5176,10 +6312,83 @@
           <a:bodyPr/>
           <a:lstStyle/>
           <a:p>
-            <a:endParaRPr lang="fr-FR"/>
-          </a:p>
-        </p:txBody>
-      </p:sp>
+            <a:r>
+              <a:rPr lang="en-US" dirty="0">
+                <a:latin typeface="Garamond" panose="02020404030301010803" pitchFamily="18" charset="0"/>
+              </a:rPr>
+              <a:t>Model example</a:t>
+            </a:r>
+          </a:p>
+          <a:p>
+            <a:pPr lvl="1"/>
+            <a:r>
+              <a:rPr lang="en-US" dirty="0">
+                <a:latin typeface="Garamond" panose="02020404030301010803" pitchFamily="18" charset="0"/>
+              </a:rPr>
+              <a:t>Imports</a:t>
+            </a:r>
+          </a:p>
+          <a:p>
+            <a:pPr lvl="1"/>
+            <a:r>
+              <a:rPr lang="en-US" dirty="0">
+                <a:latin typeface="Garamond" panose="02020404030301010803" pitchFamily="18" charset="0"/>
+              </a:rPr>
+              <a:t>Functions</a:t>
+            </a:r>
+          </a:p>
+          <a:p>
+            <a:pPr lvl="1"/>
+            <a:r>
+              <a:rPr lang="en-US" dirty="0">
+                <a:latin typeface="Garamond" panose="02020404030301010803" pitchFamily="18" charset="0"/>
+              </a:rPr>
+              <a:t>Exports</a:t>
+            </a:r>
+          </a:p>
+          <a:p>
+            <a:endParaRPr lang="fr-FR" dirty="0">
+              <a:latin typeface="Garamond" panose="02020404030301010803" pitchFamily="18" charset="0"/>
+            </a:endParaRPr>
+          </a:p>
+        </p:txBody>
+      </p:sp>
+      <p:pic>
+        <p:nvPicPr>
+          <p:cNvPr id="5" name="Picture 4" descr="A screen shot of a computer program&#10;&#10;AI-generated content may be incorrect.">
+            <a:extLst>
+              <a:ext uri="{FF2B5EF4-FFF2-40B4-BE49-F238E27FC236}">
+                <a16:creationId xmlns:a16="http://schemas.microsoft.com/office/drawing/2014/main" id="{E71052DD-57D2-23DF-A008-C290FAA37389}"/>
+              </a:ext>
+            </a:extLst>
+          </p:cNvPr>
+          <p:cNvPicPr>
+            <a:picLocks noChangeAspect="1"/>
+          </p:cNvPicPr>
+          <p:nvPr/>
+        </p:nvPicPr>
+        <p:blipFill>
+          <a:blip r:embed="rId2">
+            <a:extLst>
+              <a:ext uri="{28A0092B-C50C-407E-A947-70E740481C1C}">
+                <a14:useLocalDpi xmlns:a14="http://schemas.microsoft.com/office/drawing/2010/main" val="0"/>
+              </a:ext>
+            </a:extLst>
+          </a:blip>
+          <a:stretch>
+            <a:fillRect/>
+          </a:stretch>
+        </p:blipFill>
+        <p:spPr>
+          <a:xfrm>
+            <a:off x="6269180" y="1690688"/>
+            <a:ext cx="5084620" cy="4351339"/>
+          </a:xfrm>
+          <a:prstGeom prst="rect">
+            <a:avLst/>
+          </a:prstGeom>
+        </p:spPr>
+      </p:pic>
     </p:spTree>
     <p:extLst>
       <p:ext uri="{BB962C8B-B14F-4D97-AF65-F5344CB8AC3E}">
@@ -5198,7 +6407,13 @@
   <p:cSld>
     <p:spTree>
       <p:nvGrpSpPr>
-        <p:cNvPr id="1" name=""/>
+        <p:cNvPr id="1" name="">
+          <a:extLst>
+            <a:ext uri="{FF2B5EF4-FFF2-40B4-BE49-F238E27FC236}">
+              <a16:creationId xmlns:a16="http://schemas.microsoft.com/office/drawing/2014/main" id="{394AB708-4BD6-6361-0A9F-C0F26C7220CB}"/>
+            </a:ext>
+          </a:extLst>
+        </p:cNvPr>
         <p:cNvGrpSpPr/>
         <p:nvPr/>
       </p:nvGrpSpPr>
@@ -5215,7 +6430,7 @@
           <p:cNvPr id="2" name="Title 1">
             <a:extLst>
               <a:ext uri="{FF2B5EF4-FFF2-40B4-BE49-F238E27FC236}">
-                <a16:creationId xmlns:a16="http://schemas.microsoft.com/office/drawing/2014/main" id="{93898B03-6207-C0B5-2586-2B73B264DDB7}"/>
+                <a16:creationId xmlns:a16="http://schemas.microsoft.com/office/drawing/2014/main" id="{8BDA4ACF-2A15-6FFF-5F69-3A48866785F2}"/>
               </a:ext>
             </a:extLst>
           </p:cNvPr>
@@ -5232,10 +6447,14 @@
           <a:lstStyle/>
           <a:p>
             <a:r>
-              <a:rPr lang="en-US" dirty="0"/>
-              <a:t>Frontend Architecture</a:t>
-            </a:r>
-            <a:endParaRPr lang="fr-FR" dirty="0"/>
+              <a:rPr lang="en-US" dirty="0">
+                <a:latin typeface="Garamond" panose="02020404030301010803" pitchFamily="18" charset="0"/>
+              </a:rPr>
+              <a:t>Backend Code Examples</a:t>
+            </a:r>
+            <a:endParaRPr lang="fr-FR" dirty="0">
+              <a:latin typeface="Garamond" panose="02020404030301010803" pitchFamily="18" charset="0"/>
+            </a:endParaRPr>
           </a:p>
         </p:txBody>
       </p:sp>
@@ -5244,7 +6463,7 @@
           <p:cNvPr id="3" name="Content Placeholder 2">
             <a:extLst>
               <a:ext uri="{FF2B5EF4-FFF2-40B4-BE49-F238E27FC236}">
-                <a16:creationId xmlns:a16="http://schemas.microsoft.com/office/drawing/2014/main" id="{317DFD97-1ADA-8120-9D28-F2394F3AA7D3}"/>
+                <a16:creationId xmlns:a16="http://schemas.microsoft.com/office/drawing/2014/main" id="{FEFCBAC9-7BFE-1C66-0AB9-F249E4DBC148}"/>
               </a:ext>
             </a:extLst>
           </p:cNvPr>
@@ -5261,48 +6480,84 @@
           <a:lstStyle/>
           <a:p>
             <a:r>
-              <a:rPr lang="en-US" dirty="0"/>
-              <a:t>Component-based architecture</a:t>
-            </a:r>
-          </a:p>
-          <a:p>
-            <a:r>
-              <a:rPr lang="en-US" dirty="0"/>
-              <a:t>Reusable UI elements</a:t>
-            </a:r>
-          </a:p>
-          <a:p>
-            <a:r>
-              <a:rPr lang="en-US" dirty="0"/>
-              <a:t>State management</a:t>
-            </a:r>
-          </a:p>
-          <a:p>
-            <a:r>
-              <a:rPr lang="en-US" dirty="0"/>
-              <a:t>API integration</a:t>
-            </a:r>
-          </a:p>
-          <a:p>
-            <a:r>
-              <a:rPr lang="en-US" dirty="0"/>
-              <a:t>Responsive Design:</a:t>
-            </a:r>
-          </a:p>
-          <a:p>
-            <a:pPr lvl="1"/>
-            <a:r>
-              <a:rPr lang="en-US" dirty="0"/>
-              <a:t>Mobile-first approach (tailwind)</a:t>
-            </a:r>
-            <a:endParaRPr lang="fr-FR" dirty="0"/>
-          </a:p>
-        </p:txBody>
-      </p:sp>
+              <a:rPr lang="en-US" dirty="0">
+                <a:latin typeface="Garamond" panose="02020404030301010803" pitchFamily="18" charset="0"/>
+              </a:rPr>
+              <a:t>Controller example</a:t>
+            </a:r>
+          </a:p>
+          <a:p>
+            <a:pPr lvl="1"/>
+            <a:r>
+              <a:rPr lang="fr-FR" dirty="0">
+                <a:latin typeface="Garamond" panose="02020404030301010803" pitchFamily="18" charset="0"/>
+              </a:rPr>
+              <a:t>Imports</a:t>
+            </a:r>
+          </a:p>
+          <a:p>
+            <a:pPr lvl="1"/>
+            <a:r>
+              <a:rPr lang="en-US" dirty="0">
+                <a:latin typeface="Garamond" panose="02020404030301010803" pitchFamily="18" charset="0"/>
+              </a:rPr>
+              <a:t>Functions</a:t>
+            </a:r>
+            <a:endParaRPr lang="fr-FR" dirty="0">
+              <a:latin typeface="Garamond" panose="02020404030301010803" pitchFamily="18" charset="0"/>
+            </a:endParaRPr>
+          </a:p>
+          <a:p>
+            <a:pPr lvl="1"/>
+            <a:r>
+              <a:rPr lang="fr-FR" dirty="0">
+                <a:latin typeface="Garamond" panose="02020404030301010803" pitchFamily="18" charset="0"/>
+              </a:rPr>
+              <a:t>Exports</a:t>
+            </a:r>
+          </a:p>
+        </p:txBody>
+      </p:sp>
+      <p:pic>
+        <p:nvPicPr>
+          <p:cNvPr id="5" name="Picture 4" descr="A screen shot of a computer program&#10;&#10;AI-generated content may be incorrect.">
+            <a:extLst>
+              <a:ext uri="{FF2B5EF4-FFF2-40B4-BE49-F238E27FC236}">
+                <a16:creationId xmlns:a16="http://schemas.microsoft.com/office/drawing/2014/main" id="{FABCEDCC-B60B-77E8-81E4-609A52B0A3B1}"/>
+              </a:ext>
+            </a:extLst>
+          </p:cNvPr>
+          <p:cNvPicPr>
+            <a:picLocks noChangeAspect="1"/>
+          </p:cNvPicPr>
+          <p:nvPr/>
+        </p:nvPicPr>
+        <p:blipFill>
+          <a:blip r:embed="rId2">
+            <a:extLst>
+              <a:ext uri="{28A0092B-C50C-407E-A947-70E740481C1C}">
+                <a14:useLocalDpi xmlns:a14="http://schemas.microsoft.com/office/drawing/2010/main" val="0"/>
+              </a:ext>
+            </a:extLst>
+          </a:blip>
+          <a:stretch>
+            <a:fillRect/>
+          </a:stretch>
+        </p:blipFill>
+        <p:spPr>
+          <a:xfrm>
+            <a:off x="6437437" y="1960561"/>
+            <a:ext cx="4916363" cy="4351339"/>
+          </a:xfrm>
+          <a:prstGeom prst="rect">
+            <a:avLst/>
+          </a:prstGeom>
+        </p:spPr>
+      </p:pic>
     </p:spTree>
     <p:extLst>
       <p:ext uri="{BB962C8B-B14F-4D97-AF65-F5344CB8AC3E}">
-        <p14:creationId xmlns:p14="http://schemas.microsoft.com/office/powerpoint/2010/main" val="828301887"/>
+        <p14:creationId xmlns:p14="http://schemas.microsoft.com/office/powerpoint/2010/main" val="3216344994"/>
       </p:ext>
     </p:extLst>
   </p:cSld>
@@ -5317,7 +6572,13 @@
   <p:cSld>
     <p:spTree>
       <p:nvGrpSpPr>
-        <p:cNvPr id="1" name=""/>
+        <p:cNvPr id="1" name="">
+          <a:extLst>
+            <a:ext uri="{FF2B5EF4-FFF2-40B4-BE49-F238E27FC236}">
+              <a16:creationId xmlns:a16="http://schemas.microsoft.com/office/drawing/2014/main" id="{CC360CBB-5826-C2F7-8225-815AEA152D60}"/>
+            </a:ext>
+          </a:extLst>
+        </p:cNvPr>
         <p:cNvGrpSpPr/>
         <p:nvPr/>
       </p:nvGrpSpPr>
@@ -5334,7 +6595,7 @@
           <p:cNvPr id="2" name="Title 1">
             <a:extLst>
               <a:ext uri="{FF2B5EF4-FFF2-40B4-BE49-F238E27FC236}">
-                <a16:creationId xmlns:a16="http://schemas.microsoft.com/office/drawing/2014/main" id="{34B07B47-5956-3AFB-FB81-C21E4052BEF4}"/>
+                <a16:creationId xmlns:a16="http://schemas.microsoft.com/office/drawing/2014/main" id="{6A5276FC-1CCB-DB73-2854-7D2D4A198387}"/>
               </a:ext>
             </a:extLst>
           </p:cNvPr>
@@ -5351,10 +6612,14 @@
           <a:lstStyle/>
           <a:p>
             <a:r>
-              <a:rPr lang="en-US" dirty="0"/>
-              <a:t>Frontend Code Examples</a:t>
-            </a:r>
-            <a:endParaRPr lang="fr-FR" dirty="0"/>
+              <a:rPr lang="en-US" dirty="0">
+                <a:latin typeface="Garamond" panose="02020404030301010803" pitchFamily="18" charset="0"/>
+              </a:rPr>
+              <a:t>Backend Code Examples</a:t>
+            </a:r>
+            <a:endParaRPr lang="fr-FR" dirty="0">
+              <a:latin typeface="Garamond" panose="02020404030301010803" pitchFamily="18" charset="0"/>
+            </a:endParaRPr>
           </a:p>
         </p:txBody>
       </p:sp>
@@ -5363,7 +6628,7 @@
           <p:cNvPr id="3" name="Content Placeholder 2">
             <a:extLst>
               <a:ext uri="{FF2B5EF4-FFF2-40B4-BE49-F238E27FC236}">
-                <a16:creationId xmlns:a16="http://schemas.microsoft.com/office/drawing/2014/main" id="{FFE627D8-9DDB-92A1-22FC-452DE0AD5DDE}"/>
+                <a16:creationId xmlns:a16="http://schemas.microsoft.com/office/drawing/2014/main" id="{E183EB23-CA1D-2DBF-DDCE-4EF7B4B2C853}"/>
               </a:ext>
             </a:extLst>
           </p:cNvPr>
@@ -5379,14 +6644,85 @@
           <a:bodyPr/>
           <a:lstStyle/>
           <a:p>
-            <a:endParaRPr lang="fr-FR"/>
-          </a:p>
-        </p:txBody>
-      </p:sp>
+            <a:r>
+              <a:rPr lang="en-US" dirty="0">
+                <a:latin typeface="Garamond" panose="02020404030301010803" pitchFamily="18" charset="0"/>
+              </a:rPr>
+              <a:t>Routes example</a:t>
+            </a:r>
+          </a:p>
+          <a:p>
+            <a:pPr lvl="1"/>
+            <a:r>
+              <a:rPr lang="en-US" dirty="0">
+                <a:latin typeface="Garamond" panose="02020404030301010803" pitchFamily="18" charset="0"/>
+              </a:rPr>
+              <a:t>Imports</a:t>
+            </a:r>
+          </a:p>
+          <a:p>
+            <a:pPr lvl="1"/>
+            <a:r>
+              <a:rPr lang="en-US" dirty="0">
+                <a:latin typeface="Garamond" panose="02020404030301010803" pitchFamily="18" charset="0"/>
+              </a:rPr>
+              <a:t>Routing</a:t>
+            </a:r>
+          </a:p>
+          <a:p>
+            <a:pPr lvl="1"/>
+            <a:r>
+              <a:rPr lang="en-US" dirty="0">
+                <a:latin typeface="Garamond" panose="02020404030301010803" pitchFamily="18" charset="0"/>
+              </a:rPr>
+              <a:t>Exports</a:t>
+            </a:r>
+            <a:endParaRPr lang="fr-FR" dirty="0">
+              <a:latin typeface="Garamond" panose="02020404030301010803" pitchFamily="18" charset="0"/>
+            </a:endParaRPr>
+          </a:p>
+        </p:txBody>
+      </p:sp>
+      <p:pic>
+        <p:nvPicPr>
+          <p:cNvPr id="5" name="Picture 4" descr="A screen shot of a computer code&#10;&#10;AI-generated content may be incorrect.">
+            <a:extLst>
+              <a:ext uri="{FF2B5EF4-FFF2-40B4-BE49-F238E27FC236}">
+                <a16:creationId xmlns:a16="http://schemas.microsoft.com/office/drawing/2014/main" id="{5B38C094-73D7-6CAE-9D51-0952025BB846}"/>
+              </a:ext>
+            </a:extLst>
+          </p:cNvPr>
+          <p:cNvPicPr>
+            <a:picLocks noChangeAspect="1"/>
+          </p:cNvPicPr>
+          <p:nvPr/>
+        </p:nvPicPr>
+        <p:blipFill>
+          <a:blip r:embed="rId2">
+            <a:extLst>
+              <a:ext uri="{28A0092B-C50C-407E-A947-70E740481C1C}">
+                <a14:useLocalDpi xmlns:a14="http://schemas.microsoft.com/office/drawing/2010/main" val="0"/>
+              </a:ext>
+            </a:extLst>
+          </a:blip>
+          <a:stretch>
+            <a:fillRect/>
+          </a:stretch>
+        </p:blipFill>
+        <p:spPr>
+          <a:xfrm>
+            <a:off x="5796663" y="1825625"/>
+            <a:ext cx="5557137" cy="2636885"/>
+          </a:xfrm>
+          <a:prstGeom prst="rect">
+            <a:avLst/>
+          </a:prstGeom>
+        </p:spPr>
+      </p:pic>
     </p:spTree>
     <p:extLst>
       <p:ext uri="{BB962C8B-B14F-4D97-AF65-F5344CB8AC3E}">
-        <p14:creationId xmlns:p14="http://schemas.microsoft.com/office/powerpoint/2010/main" val="1082498945"/>
+        <p14:creationId xmlns:p14="http://schemas.microsoft.com/office/powerpoint/2010/main" val="3517696948"/>
       </p:ext>
     </p:extLst>
   </p:cSld>
@@ -5418,7 +6754,7 @@
           <p:cNvPr id="2" name="Title 1">
             <a:extLst>
               <a:ext uri="{FF2B5EF4-FFF2-40B4-BE49-F238E27FC236}">
-                <a16:creationId xmlns:a16="http://schemas.microsoft.com/office/drawing/2014/main" id="{1CDDEAE9-8DA1-72C2-50EE-26F2BB91443A}"/>
+                <a16:creationId xmlns:a16="http://schemas.microsoft.com/office/drawing/2014/main" id="{93898B03-6207-C0B5-2586-2B73B264DDB7}"/>
               </a:ext>
             </a:extLst>
           </p:cNvPr>
@@ -5435,10 +6771,14 @@
           <a:lstStyle/>
           <a:p>
             <a:r>
-              <a:rPr lang="en-US" dirty="0"/>
-              <a:t>Data Management</a:t>
-            </a:r>
-            <a:endParaRPr lang="fr-FR" dirty="0"/>
+              <a:rPr lang="en-US" dirty="0">
+                <a:latin typeface="Garamond" panose="02020404030301010803" pitchFamily="18" charset="0"/>
+              </a:rPr>
+              <a:t>Frontend Architecture</a:t>
+            </a:r>
+            <a:endParaRPr lang="fr-FR" dirty="0">
+              <a:latin typeface="Garamond" panose="02020404030301010803" pitchFamily="18" charset="0"/>
+            </a:endParaRPr>
           </a:p>
         </p:txBody>
       </p:sp>
@@ -5447,7 +6787,7 @@
           <p:cNvPr id="3" name="Content Placeholder 2">
             <a:extLst>
               <a:ext uri="{FF2B5EF4-FFF2-40B4-BE49-F238E27FC236}">
-                <a16:creationId xmlns:a16="http://schemas.microsoft.com/office/drawing/2014/main" id="{3BF8135D-B130-4650-6708-0BD778433709}"/>
+                <a16:creationId xmlns:a16="http://schemas.microsoft.com/office/drawing/2014/main" id="{317DFD97-1ADA-8120-9D28-F2394F3AA7D3}"/>
               </a:ext>
             </a:extLst>
           </p:cNvPr>
@@ -5464,99 +6804,62 @@
           <a:lstStyle/>
           <a:p>
             <a:r>
-              <a:rPr lang="en-US" dirty="0"/>
-              <a:t>Data models:</a:t>
-            </a:r>
-          </a:p>
-          <a:p>
-            <a:pPr lvl="1"/>
-            <a:r>
-              <a:rPr lang="en-US" dirty="0"/>
-              <a:t>Tables of users, photos, likes, categories, </a:t>
-            </a:r>
-            <a:r>
-              <a:rPr lang="en-US" dirty="0" err="1"/>
-              <a:t>photos_categories</a:t>
-            </a:r>
-            <a:r>
-              <a:rPr lang="en-US" dirty="0"/>
-              <a:t>, comments, downloads</a:t>
-            </a:r>
-          </a:p>
-          <a:p>
-            <a:r>
-              <a:rPr lang="fr-FR" dirty="0"/>
-              <a:t>Data </a:t>
-            </a:r>
-            <a:r>
-              <a:rPr lang="fr-FR" dirty="0" err="1"/>
-              <a:t>storage</a:t>
-            </a:r>
-            <a:r>
-              <a:rPr lang="fr-FR" dirty="0"/>
-              <a:t>:</a:t>
-            </a:r>
-          </a:p>
-          <a:p>
-            <a:pPr lvl="1"/>
-            <a:r>
-              <a:rPr lang="fr-FR" dirty="0"/>
-              <a:t>Use of PostgreSQL (local)</a:t>
-            </a:r>
-          </a:p>
-          <a:p>
-            <a:pPr lvl="1"/>
-            <a:r>
-              <a:rPr lang="fr-FR" dirty="0"/>
-              <a:t>Use of MySQL (</a:t>
-            </a:r>
-            <a:r>
-              <a:rPr lang="fr-FR" dirty="0" err="1"/>
-              <a:t>hosted</a:t>
-            </a:r>
-            <a:r>
-              <a:rPr lang="fr-FR" dirty="0"/>
-              <a:t> for </a:t>
-            </a:r>
-            <a:r>
-              <a:rPr lang="fr-FR" dirty="0" err="1"/>
-              <a:t>demo</a:t>
-            </a:r>
-            <a:r>
-              <a:rPr lang="fr-FR" dirty="0"/>
-              <a:t>)</a:t>
-            </a:r>
-          </a:p>
-          <a:p>
-            <a:pPr lvl="1"/>
-            <a:r>
-              <a:rPr lang="fr-FR" dirty="0" err="1"/>
-              <a:t>Hosted</a:t>
-            </a:r>
-            <a:r>
-              <a:rPr lang="fr-FR" dirty="0"/>
-              <a:t> on </a:t>
-            </a:r>
-            <a:r>
-              <a:rPr lang="fr-FR" dirty="0" err="1"/>
-              <a:t>Namecheap</a:t>
-            </a:r>
-            <a:r>
-              <a:rPr lang="fr-FR" dirty="0"/>
-              <a:t> and </a:t>
-            </a:r>
-            <a:r>
-              <a:rPr lang="fr-FR" dirty="0" err="1"/>
-              <a:t>Vercel</a:t>
-            </a:r>
-            <a:endParaRPr lang="en-US" dirty="0"/>
+              <a:rPr lang="en-US" dirty="0">
+                <a:latin typeface="Garamond" panose="02020404030301010803" pitchFamily="18" charset="0"/>
+              </a:rPr>
+              <a:t>Component-based architecture</a:t>
+            </a:r>
+          </a:p>
+          <a:p>
+            <a:r>
+              <a:rPr lang="en-US" dirty="0">
+                <a:latin typeface="Garamond" panose="02020404030301010803" pitchFamily="18" charset="0"/>
+              </a:rPr>
+              <a:t>Reusable UI elements</a:t>
+            </a:r>
+          </a:p>
+          <a:p>
+            <a:r>
+              <a:rPr lang="en-US" dirty="0">
+                <a:latin typeface="Garamond" panose="02020404030301010803" pitchFamily="18" charset="0"/>
+              </a:rPr>
+              <a:t>State management</a:t>
+            </a:r>
+          </a:p>
+          <a:p>
+            <a:r>
+              <a:rPr lang="en-US" dirty="0">
+                <a:latin typeface="Garamond" panose="02020404030301010803" pitchFamily="18" charset="0"/>
+              </a:rPr>
+              <a:t>API integration</a:t>
+            </a:r>
+          </a:p>
+          <a:p>
+            <a:r>
+              <a:rPr lang="en-US" dirty="0">
+                <a:latin typeface="Garamond" panose="02020404030301010803" pitchFamily="18" charset="0"/>
+              </a:rPr>
+              <a:t>Responsive Design:</a:t>
+            </a:r>
+          </a:p>
+          <a:p>
+            <a:pPr lvl="1"/>
+            <a:r>
+              <a:rPr lang="en-US" dirty="0">
+                <a:latin typeface="Garamond" panose="02020404030301010803" pitchFamily="18" charset="0"/>
+              </a:rPr>
+              <a:t>Mobile-first approach (tailwind)</a:t>
+            </a:r>
+            <a:endParaRPr lang="fr-FR" dirty="0">
+              <a:latin typeface="Garamond" panose="02020404030301010803" pitchFamily="18" charset="0"/>
+            </a:endParaRPr>
           </a:p>
         </p:txBody>
       </p:sp>
     </p:spTree>
     <p:extLst>
       <p:ext uri="{BB962C8B-B14F-4D97-AF65-F5344CB8AC3E}">
-        <p14:creationId xmlns:p14="http://schemas.microsoft.com/office/powerpoint/2010/main" val="915499038"/>
+        <p14:creationId xmlns:p14="http://schemas.microsoft.com/office/powerpoint/2010/main" val="828301887"/>
       </p:ext>
     </p:extLst>
   </p:cSld>
